--- a/Scarce_Prophets-Presentation.pptx
+++ b/Scarce_Prophets-Presentation.pptx
@@ -5,23 +5,24 @@
     <p:sldMasterId id="2147483660" r:id="rId4"/>
   </p:sldMasterIdLst>
   <p:notesMasterIdLst>
-    <p:notesMasterId r:id="rId14"/>
+    <p:notesMasterId r:id="rId15"/>
   </p:notesMasterIdLst>
   <p:sldIdLst>
-    <p:sldId id="256" r:id="rId5"/>
-    <p:sldId id="258" r:id="rId6"/>
-    <p:sldId id="267" r:id="rId7"/>
-    <p:sldId id="259" r:id="rId8"/>
-    <p:sldId id="263" r:id="rId9"/>
-    <p:sldId id="265" r:id="rId10"/>
-    <p:sldId id="268" r:id="rId11"/>
-    <p:sldId id="260" r:id="rId12"/>
-    <p:sldId id="271" r:id="rId13"/>
+    <p:sldId id="272" r:id="rId5"/>
+    <p:sldId id="256" r:id="rId6"/>
+    <p:sldId id="258" r:id="rId7"/>
+    <p:sldId id="267" r:id="rId8"/>
+    <p:sldId id="259" r:id="rId9"/>
+    <p:sldId id="263" r:id="rId10"/>
+    <p:sldId id="265" r:id="rId11"/>
+    <p:sldId id="268" r:id="rId12"/>
+    <p:sldId id="260" r:id="rId13"/>
+    <p:sldId id="271" r:id="rId14"/>
   </p:sldIdLst>
   <p:sldSz cx="12192000" cy="6858000"/>
   <p:notesSz cx="6858000" cy="9144000"/>
   <p:custDataLst>
-    <p:tags r:id="rId15"/>
+    <p:tags r:id="rId16"/>
   </p:custDataLst>
   <p:defaultTextStyle>
     <a:defPPr>
@@ -129,13 +130,886 @@
 <file path=ppt/revisionInfo.xml><?xml version="1.0" encoding="utf-8"?>
 <p1510:revInfo xmlns:a="http://schemas.openxmlformats.org/drawingml/2006/main" xmlns:r="http://schemas.openxmlformats.org/officeDocument/2006/relationships" xmlns:p1510="http://schemas.microsoft.com/office/powerpoint/2015/10/main">
   <p1510:revLst>
-    <p1510:client id="{2C32DC77-3316-5A44-99F4-3731869D0700}" v="9988" dt="2023-01-20T04:56:21.044"/>
+    <p1510:client id="{2C32DC77-3316-5A44-99F4-3731869D0700}" v="10934" dt="2023-01-20T18:55:14.904"/>
     <p1510:client id="{42F5ED7C-376A-42AF-A1F1-03769D62B665}" v="4" dt="2023-01-20T03:56:26.738"/>
     <p1510:client id="{65C04F6E-BB7B-4035-B3A4-46BDD55C3AE1}" v="1" dt="2023-01-20T01:18:03.033"/>
     <p1510:client id="{96EA9BD4-3EFF-4E6D-A49C-4906384E4AC3}" v="14" dt="2023-01-20T03:12:48.809"/>
     <p1510:client id="{C58FFC49-D1AF-4F92-BADF-CF9EAD4B3BCF}" v="5426" vWet="5428" dt="2023-01-20T04:36:11.249"/>
   </p1510:revLst>
 </p1510:revInfo>
+</file>
+
+<file path=ppt/charts/chart1.xml><?xml version="1.0" encoding="utf-8"?>
+<c:chartSpace xmlns:c="http://schemas.openxmlformats.org/drawingml/2006/chart" xmlns:a="http://schemas.openxmlformats.org/drawingml/2006/main" xmlns:r="http://schemas.openxmlformats.org/officeDocument/2006/relationships" xmlns:c16r2="http://schemas.microsoft.com/office/drawing/2015/06/chart">
+  <c:date1904 val="0"/>
+  <c:lang val="en-US"/>
+  <c:roundedCorners val="0"/>
+  <mc:AlternateContent xmlns:mc="http://schemas.openxmlformats.org/markup-compatibility/2006">
+    <mc:Choice xmlns:c14="http://schemas.microsoft.com/office/drawing/2007/8/2/chart" Requires="c14">
+      <c14:style val="102"/>
+    </mc:Choice>
+    <mc:Fallback>
+      <c:style val="2"/>
+    </mc:Fallback>
+  </mc:AlternateContent>
+  <c:chart>
+    <c:autoTitleDeleted val="1"/>
+    <c:plotArea>
+      <c:layout/>
+      <c:pieChart>
+        <c:varyColors val="1"/>
+        <c:ser>
+          <c:idx val="0"/>
+          <c:order val="0"/>
+          <c:tx>
+            <c:strRef>
+              <c:f>Sheet1!$B$1</c:f>
+              <c:strCache>
+                <c:ptCount val="1"/>
+                <c:pt idx="0">
+                  <c:v>Sales</c:v>
+                </c:pt>
+              </c:strCache>
+            </c:strRef>
+          </c:tx>
+          <c:dPt>
+            <c:idx val="0"/>
+            <c:bubble3D val="0"/>
+            <c:spPr>
+              <a:solidFill>
+                <a:schemeClr val="accent1"/>
+              </a:solidFill>
+              <a:ln w="19050">
+                <a:solidFill>
+                  <a:schemeClr val="lt1"/>
+                </a:solidFill>
+              </a:ln>
+              <a:effectLst/>
+            </c:spPr>
+            <c:extLst>
+              <c:ext xmlns:c16="http://schemas.microsoft.com/office/drawing/2014/chart" uri="{C3380CC4-5D6E-409C-BE32-E72D297353CC}">
+                <c16:uniqueId val="{00000001-EC20-814A-8B61-1B58B0EF4872}"/>
+              </c:ext>
+            </c:extLst>
+          </c:dPt>
+          <c:dPt>
+            <c:idx val="1"/>
+            <c:bubble3D val="0"/>
+            <c:spPr>
+              <a:solidFill>
+                <a:schemeClr val="accent2"/>
+              </a:solidFill>
+              <a:ln w="19050">
+                <a:solidFill>
+                  <a:schemeClr val="lt1"/>
+                </a:solidFill>
+              </a:ln>
+              <a:effectLst/>
+            </c:spPr>
+            <c:extLst>
+              <c:ext xmlns:c16="http://schemas.microsoft.com/office/drawing/2014/chart" uri="{C3380CC4-5D6E-409C-BE32-E72D297353CC}">
+                <c16:uniqueId val="{00000002-EC20-814A-8B61-1B58B0EF4872}"/>
+              </c:ext>
+            </c:extLst>
+          </c:dPt>
+          <c:dLbls>
+            <c:dLbl>
+              <c:idx val="0"/>
+              <c:layout>
+                <c:manualLayout>
+                  <c:x val="1.9174335629921258E-2"/>
+                  <c:y val="3.8992246617110815E-2"/>
+                </c:manualLayout>
+              </c:layout>
+              <c:tx>
+                <c:rich>
+                  <a:bodyPr/>
+                  <a:lstStyle/>
+                  <a:p>
+                    <a:fld id="{02E1DE70-67D4-0E47-AA9A-40E95FA3E43E}" type="CATEGORYNAME">
+                      <a:rPr lang="en-US" smtClean="0"/>
+                      <a:pPr/>
+                      <a:t>[CATEGORY NAME]</a:t>
+                    </a:fld>
+                    <a:endParaRPr lang="en-US" baseline="0"/>
+                  </a:p>
+                  <a:p>
+                    <a:r>
+                      <a:rPr lang="en-US" baseline="0"/>
+                      <a:t>$493 million</a:t>
+                    </a:r>
+                  </a:p>
+                </c:rich>
+              </c:tx>
+              <c:showLegendKey val="0"/>
+              <c:showVal val="1"/>
+              <c:showCatName val="1"/>
+              <c:showSerName val="0"/>
+              <c:showPercent val="0"/>
+              <c:showBubbleSize val="0"/>
+              <c:extLst>
+                <c:ext xmlns:c15="http://schemas.microsoft.com/office/drawing/2012/chart" uri="{CE6537A1-D6FC-4f65-9D91-7224C49458BB}">
+                  <c15:layout>
+                    <c:manualLayout>
+                      <c:w val="0.23668405511811025"/>
+                      <c:h val="0.14435155362010621"/>
+                    </c:manualLayout>
+                  </c15:layout>
+                  <c15:dlblFieldTable/>
+                  <c15:showDataLabelsRange val="0"/>
+                </c:ext>
+                <c:ext xmlns:c16="http://schemas.microsoft.com/office/drawing/2014/chart" uri="{C3380CC4-5D6E-409C-BE32-E72D297353CC}">
+                  <c16:uniqueId val="{00000001-EC20-814A-8B61-1B58B0EF4872}"/>
+                </c:ext>
+              </c:extLst>
+            </c:dLbl>
+            <c:dLbl>
+              <c:idx val="1"/>
+              <c:layout>
+                <c:manualLayout>
+                  <c:x val="0.18488385826771653"/>
+                  <c:y val="-0.1778315589424484"/>
+                </c:manualLayout>
+              </c:layout>
+              <c:tx>
+                <c:rich>
+                  <a:bodyPr/>
+                  <a:lstStyle/>
+                  <a:p>
+                    <a:fld id="{3B747080-0DEF-8F4F-87D6-22B4E52C0BA7}" type="CATEGORYNAME">
+                      <a:rPr lang="en-US" smtClean="0"/>
+                      <a:pPr/>
+                      <a:t>[CATEGORY NAME]</a:t>
+                    </a:fld>
+                    <a:endParaRPr lang="en-US"/>
+                  </a:p>
+                  <a:p>
+                    <a:r>
+                      <a:rPr lang="en-US"/>
+                      <a:t>$46.8</a:t>
+                    </a:r>
+                    <a:r>
+                      <a:rPr lang="en-US" baseline="0"/>
+                      <a:t> billion</a:t>
+                    </a:r>
+                  </a:p>
+                </c:rich>
+              </c:tx>
+              <c:showLegendKey val="0"/>
+              <c:showVal val="1"/>
+              <c:showCatName val="1"/>
+              <c:showSerName val="0"/>
+              <c:showPercent val="0"/>
+              <c:showBubbleSize val="0"/>
+              <c:extLst>
+                <c:ext xmlns:c15="http://schemas.microsoft.com/office/drawing/2012/chart" uri="{CE6537A1-D6FC-4f65-9D91-7224C49458BB}">
+                  <c15:dlblFieldTable/>
+                  <c15:showDataLabelsRange val="0"/>
+                </c:ext>
+                <c:ext xmlns:c16="http://schemas.microsoft.com/office/drawing/2014/chart" uri="{C3380CC4-5D6E-409C-BE32-E72D297353CC}">
+                  <c16:uniqueId val="{00000002-EC20-814A-8B61-1B58B0EF4872}"/>
+                </c:ext>
+              </c:extLst>
+            </c:dLbl>
+            <c:spPr>
+              <a:noFill/>
+              <a:ln>
+                <a:noFill/>
+              </a:ln>
+              <a:effectLst/>
+            </c:spPr>
+            <c:txPr>
+              <a:bodyPr rot="0" spcFirstLastPara="1" vertOverflow="ellipsis" vert="horz" wrap="square" lIns="38100" tIns="19050" rIns="38100" bIns="19050" anchor="ctr" anchorCtr="1">
+                <a:spAutoFit/>
+              </a:bodyPr>
+              <a:lstStyle/>
+              <a:p>
+                <a:pPr>
+                  <a:defRPr sz="1600" b="1" i="0" u="none" strike="noStrike" kern="1200" baseline="0">
+                    <a:solidFill>
+                      <a:schemeClr val="tx1">
+                        <a:lumMod val="75000"/>
+                        <a:lumOff val="25000"/>
+                      </a:schemeClr>
+                    </a:solidFill>
+                    <a:latin typeface="+mn-lt"/>
+                    <a:ea typeface="+mn-ea"/>
+                    <a:cs typeface="+mn-cs"/>
+                  </a:defRPr>
+                </a:pPr>
+                <a:endParaRPr lang="en-US"/>
+              </a:p>
+            </c:txPr>
+            <c:showLegendKey val="0"/>
+            <c:showVal val="1"/>
+            <c:showCatName val="1"/>
+            <c:showSerName val="0"/>
+            <c:showPercent val="0"/>
+            <c:showBubbleSize val="0"/>
+            <c:showLeaderLines val="1"/>
+            <c:leaderLines>
+              <c:spPr>
+                <a:ln w="9525" cap="flat" cmpd="sng" algn="ctr">
+                  <a:solidFill>
+                    <a:schemeClr val="tx1">
+                      <a:lumMod val="35000"/>
+                      <a:lumOff val="65000"/>
+                    </a:schemeClr>
+                  </a:solidFill>
+                  <a:round/>
+                </a:ln>
+                <a:effectLst/>
+              </c:spPr>
+            </c:leaderLines>
+            <c:extLst>
+              <c:ext xmlns:c15="http://schemas.microsoft.com/office/drawing/2012/chart" uri="{CE6537A1-D6FC-4f65-9D91-7224C49458BB}"/>
+            </c:extLst>
+          </c:dLbls>
+          <c:cat>
+            <c:strRef>
+              <c:f>Sheet1!$A$2:$A$3</c:f>
+              <c:strCache>
+                <c:ptCount val="2"/>
+                <c:pt idx="0">
+                  <c:v>575 Slow-selling SKUs</c:v>
+                </c:pt>
+                <c:pt idx="1">
+                  <c:v>Everything Else</c:v>
+                </c:pt>
+              </c:strCache>
+            </c:strRef>
+          </c:cat>
+          <c:val>
+            <c:numRef>
+              <c:f>Sheet1!$B$2:$B$3</c:f>
+              <c:numCache>
+                <c:formatCode>_("$"* #,##0_);_("$"* \(#,##0\);_("$"* "-"??_);_(@_)</c:formatCode>
+                <c:ptCount val="2"/>
+                <c:pt idx="0">
+                  <c:v>493442735</c:v>
+                </c:pt>
+                <c:pt idx="1">
+                  <c:v>46768557265</c:v>
+                </c:pt>
+              </c:numCache>
+            </c:numRef>
+          </c:val>
+          <c:extLst>
+            <c:ext xmlns:c16="http://schemas.microsoft.com/office/drawing/2014/chart" uri="{C3380CC4-5D6E-409C-BE32-E72D297353CC}">
+              <c16:uniqueId val="{00000000-EC20-814A-8B61-1B58B0EF4872}"/>
+            </c:ext>
+          </c:extLst>
+        </c:ser>
+        <c:dLbls>
+          <c:showLegendKey val="0"/>
+          <c:showVal val="1"/>
+          <c:showCatName val="1"/>
+          <c:showSerName val="0"/>
+          <c:showPercent val="0"/>
+          <c:showBubbleSize val="0"/>
+          <c:showLeaderLines val="1"/>
+        </c:dLbls>
+        <c:firstSliceAng val="45"/>
+      </c:pieChart>
+      <c:spPr>
+        <a:noFill/>
+        <a:ln>
+          <a:noFill/>
+        </a:ln>
+        <a:effectLst/>
+      </c:spPr>
+    </c:plotArea>
+    <c:plotVisOnly val="1"/>
+    <c:dispBlanksAs val="gap"/>
+    <c:extLst>
+      <c:ext xmlns:c16r3="http://schemas.microsoft.com/office/drawing/2017/03/chart" uri="{56B9EC1D-385E-4148-901F-78D8002777C0}">
+        <c16r3:dataDisplayOptions16>
+          <c16r3:dispNaAsBlank val="1"/>
+        </c16r3:dataDisplayOptions16>
+      </c:ext>
+    </c:extLst>
+    <c:showDLblsOverMax val="0"/>
+  </c:chart>
+  <c:spPr>
+    <a:noFill/>
+    <a:ln>
+      <a:noFill/>
+    </a:ln>
+    <a:effectLst/>
+  </c:spPr>
+  <c:txPr>
+    <a:bodyPr/>
+    <a:lstStyle/>
+    <a:p>
+      <a:pPr>
+        <a:defRPr/>
+      </a:pPr>
+      <a:endParaRPr lang="en-US"/>
+    </a:p>
+  </c:txPr>
+  <c:externalData r:id="rId3">
+    <c:autoUpdate val="0"/>
+  </c:externalData>
+</c:chartSpace>
+</file>
+
+<file path=ppt/charts/colors1.xml><?xml version="1.0" encoding="utf-8"?>
+<cs:colorStyle xmlns:cs="http://schemas.microsoft.com/office/drawing/2012/chartStyle" xmlns:a="http://schemas.openxmlformats.org/drawingml/2006/main" meth="cycle" id="10">
+  <a:schemeClr val="accent1"/>
+  <a:schemeClr val="accent2"/>
+  <a:schemeClr val="accent3"/>
+  <a:schemeClr val="accent4"/>
+  <a:schemeClr val="accent5"/>
+  <a:schemeClr val="accent6"/>
+  <cs:variation/>
+  <cs:variation>
+    <a:lumMod val="60000"/>
+  </cs:variation>
+  <cs:variation>
+    <a:lumMod val="80000"/>
+    <a:lumOff val="20000"/>
+  </cs:variation>
+  <cs:variation>
+    <a:lumMod val="80000"/>
+  </cs:variation>
+  <cs:variation>
+    <a:lumMod val="60000"/>
+    <a:lumOff val="40000"/>
+  </cs:variation>
+  <cs:variation>
+    <a:lumMod val="50000"/>
+  </cs:variation>
+  <cs:variation>
+    <a:lumMod val="70000"/>
+    <a:lumOff val="30000"/>
+  </cs:variation>
+  <cs:variation>
+    <a:lumMod val="70000"/>
+  </cs:variation>
+  <cs:variation>
+    <a:lumMod val="50000"/>
+    <a:lumOff val="50000"/>
+  </cs:variation>
+</cs:colorStyle>
+</file>
+
+<file path=ppt/charts/style1.xml><?xml version="1.0" encoding="utf-8"?>
+<cs:chartStyle xmlns:cs="http://schemas.microsoft.com/office/drawing/2012/chartStyle" xmlns:a="http://schemas.openxmlformats.org/drawingml/2006/main" id="251">
+  <cs:axisTitle>
+    <cs:lnRef idx="0"/>
+    <cs:fillRef idx="0"/>
+    <cs:effectRef idx="0"/>
+    <cs:fontRef idx="minor">
+      <a:schemeClr val="tx1">
+        <a:lumMod val="65000"/>
+        <a:lumOff val="35000"/>
+      </a:schemeClr>
+    </cs:fontRef>
+    <cs:defRPr sz="1330" kern="1200"/>
+  </cs:axisTitle>
+  <cs:categoryAxis>
+    <cs:lnRef idx="0"/>
+    <cs:fillRef idx="0"/>
+    <cs:effectRef idx="0"/>
+    <cs:fontRef idx="minor">
+      <a:schemeClr val="tx1">
+        <a:lumMod val="65000"/>
+        <a:lumOff val="35000"/>
+      </a:schemeClr>
+    </cs:fontRef>
+    <cs:spPr>
+      <a:ln w="9525" cap="flat" cmpd="sng" algn="ctr">
+        <a:solidFill>
+          <a:schemeClr val="tx1">
+            <a:lumMod val="15000"/>
+            <a:lumOff val="85000"/>
+          </a:schemeClr>
+        </a:solidFill>
+        <a:round/>
+      </a:ln>
+    </cs:spPr>
+    <cs:defRPr sz="1197" kern="1200"/>
+  </cs:categoryAxis>
+  <cs:chartArea mods="allowNoFillOverride allowNoLineOverride">
+    <cs:lnRef idx="0"/>
+    <cs:fillRef idx="0"/>
+    <cs:effectRef idx="0"/>
+    <cs:fontRef idx="minor">
+      <a:schemeClr val="tx1"/>
+    </cs:fontRef>
+    <cs:spPr>
+      <a:solidFill>
+        <a:schemeClr val="bg1"/>
+      </a:solidFill>
+      <a:ln w="9525" cap="flat" cmpd="sng" algn="ctr">
+        <a:solidFill>
+          <a:schemeClr val="tx1">
+            <a:lumMod val="15000"/>
+            <a:lumOff val="85000"/>
+          </a:schemeClr>
+        </a:solidFill>
+        <a:round/>
+      </a:ln>
+    </cs:spPr>
+    <cs:defRPr sz="1197" kern="1200"/>
+  </cs:chartArea>
+  <cs:dataLabel>
+    <cs:lnRef idx="0"/>
+    <cs:fillRef idx="0"/>
+    <cs:effectRef idx="0"/>
+    <cs:fontRef idx="minor">
+      <a:schemeClr val="tx1">
+        <a:lumMod val="75000"/>
+        <a:lumOff val="25000"/>
+      </a:schemeClr>
+    </cs:fontRef>
+    <cs:defRPr sz="1197" kern="1200"/>
+  </cs:dataLabel>
+  <cs:dataLabelCallout>
+    <cs:lnRef idx="0"/>
+    <cs:fillRef idx="0"/>
+    <cs:effectRef idx="0"/>
+    <cs:fontRef idx="minor">
+      <a:schemeClr val="dk1">
+        <a:lumMod val="65000"/>
+        <a:lumOff val="35000"/>
+      </a:schemeClr>
+    </cs:fontRef>
+    <cs:spPr>
+      <a:solidFill>
+        <a:schemeClr val="lt1"/>
+      </a:solidFill>
+      <a:ln>
+        <a:solidFill>
+          <a:schemeClr val="dk1">
+            <a:lumMod val="25000"/>
+            <a:lumOff val="75000"/>
+          </a:schemeClr>
+        </a:solidFill>
+      </a:ln>
+    </cs:spPr>
+    <cs:defRPr sz="1197" kern="1200"/>
+    <cs:bodyPr rot="0" spcFirstLastPara="1" vertOverflow="clip" horzOverflow="clip" vert="horz" wrap="square" lIns="36576" tIns="18288" rIns="36576" bIns="18288" anchor="ctr" anchorCtr="1">
+      <a:spAutoFit/>
+    </cs:bodyPr>
+  </cs:dataLabelCallout>
+  <cs:dataPoint>
+    <cs:lnRef idx="0"/>
+    <cs:fillRef idx="1">
+      <cs:styleClr val="auto"/>
+    </cs:fillRef>
+    <cs:effectRef idx="0"/>
+    <cs:fontRef idx="minor">
+      <a:schemeClr val="tx1"/>
+    </cs:fontRef>
+    <cs:spPr>
+      <a:ln w="19050">
+        <a:solidFill>
+          <a:schemeClr val="lt1"/>
+        </a:solidFill>
+      </a:ln>
+    </cs:spPr>
+  </cs:dataPoint>
+  <cs:dataPoint3D>
+    <cs:lnRef idx="0"/>
+    <cs:fillRef idx="1">
+      <cs:styleClr val="auto"/>
+    </cs:fillRef>
+    <cs:effectRef idx="0"/>
+    <cs:fontRef idx="minor">
+      <a:schemeClr val="tx1"/>
+    </cs:fontRef>
+    <cs:spPr>
+      <a:ln w="25400">
+        <a:solidFill>
+          <a:schemeClr val="lt1"/>
+        </a:solidFill>
+      </a:ln>
+    </cs:spPr>
+  </cs:dataPoint3D>
+  <cs:dataPointLine>
+    <cs:lnRef idx="0">
+      <cs:styleClr val="auto"/>
+    </cs:lnRef>
+    <cs:fillRef idx="0"/>
+    <cs:effectRef idx="0"/>
+    <cs:fontRef idx="minor">
+      <a:schemeClr val="tx1"/>
+    </cs:fontRef>
+    <cs:spPr>
+      <a:ln w="28575" cap="rnd">
+        <a:solidFill>
+          <a:schemeClr val="phClr"/>
+        </a:solidFill>
+        <a:round/>
+      </a:ln>
+    </cs:spPr>
+  </cs:dataPointLine>
+  <cs:dataPointMarker>
+    <cs:lnRef idx="0">
+      <cs:styleClr val="auto"/>
+    </cs:lnRef>
+    <cs:fillRef idx="1">
+      <cs:styleClr val="auto"/>
+    </cs:fillRef>
+    <cs:effectRef idx="0"/>
+    <cs:fontRef idx="minor">
+      <a:schemeClr val="tx1"/>
+    </cs:fontRef>
+    <cs:spPr>
+      <a:ln w="9525">
+        <a:solidFill>
+          <a:schemeClr val="phClr"/>
+        </a:solidFill>
+      </a:ln>
+    </cs:spPr>
+  </cs:dataPointMarker>
+  <cs:dataPointMarkerLayout symbol="circle" size="5"/>
+  <cs:dataPointWireframe>
+    <cs:lnRef idx="0">
+      <cs:styleClr val="auto"/>
+    </cs:lnRef>
+    <cs:fillRef idx="0"/>
+    <cs:effectRef idx="0"/>
+    <cs:fontRef idx="minor">
+      <a:schemeClr val="tx1"/>
+    </cs:fontRef>
+    <cs:spPr>
+      <a:ln w="9525" cap="rnd">
+        <a:solidFill>
+          <a:schemeClr val="phClr"/>
+        </a:solidFill>
+        <a:round/>
+      </a:ln>
+    </cs:spPr>
+  </cs:dataPointWireframe>
+  <cs:dataTable>
+    <cs:lnRef idx="0"/>
+    <cs:fillRef idx="0"/>
+    <cs:effectRef idx="0"/>
+    <cs:fontRef idx="minor">
+      <a:schemeClr val="tx1">
+        <a:lumMod val="65000"/>
+        <a:lumOff val="35000"/>
+      </a:schemeClr>
+    </cs:fontRef>
+    <cs:spPr>
+      <a:noFill/>
+      <a:ln w="9525" cap="flat" cmpd="sng" algn="ctr">
+        <a:solidFill>
+          <a:schemeClr val="tx1">
+            <a:lumMod val="15000"/>
+            <a:lumOff val="85000"/>
+          </a:schemeClr>
+        </a:solidFill>
+        <a:round/>
+      </a:ln>
+    </cs:spPr>
+    <cs:defRPr sz="1197" kern="1200"/>
+  </cs:dataTable>
+  <cs:downBar>
+    <cs:lnRef idx="0"/>
+    <cs:fillRef idx="0"/>
+    <cs:effectRef idx="0"/>
+    <cs:fontRef idx="minor">
+      <a:schemeClr val="tx1"/>
+    </cs:fontRef>
+    <cs:spPr>
+      <a:solidFill>
+        <a:schemeClr val="dk1">
+          <a:lumMod val="75000"/>
+          <a:lumOff val="25000"/>
+        </a:schemeClr>
+      </a:solidFill>
+      <a:ln w="9525" cap="flat" cmpd="sng" algn="ctr">
+        <a:solidFill>
+          <a:schemeClr val="tx1">
+            <a:lumMod val="65000"/>
+            <a:lumOff val="35000"/>
+          </a:schemeClr>
+        </a:solidFill>
+        <a:round/>
+      </a:ln>
+    </cs:spPr>
+  </cs:downBar>
+  <cs:dropLine>
+    <cs:lnRef idx="0"/>
+    <cs:fillRef idx="0"/>
+    <cs:effectRef idx="0"/>
+    <cs:fontRef idx="minor">
+      <a:schemeClr val="tx1"/>
+    </cs:fontRef>
+    <cs:spPr>
+      <a:ln w="9525" cap="flat" cmpd="sng" algn="ctr">
+        <a:solidFill>
+          <a:schemeClr val="tx1">
+            <a:lumMod val="35000"/>
+            <a:lumOff val="65000"/>
+          </a:schemeClr>
+        </a:solidFill>
+        <a:round/>
+      </a:ln>
+    </cs:spPr>
+  </cs:dropLine>
+  <cs:errorBar>
+    <cs:lnRef idx="0"/>
+    <cs:fillRef idx="0"/>
+    <cs:effectRef idx="0"/>
+    <cs:fontRef idx="minor">
+      <a:schemeClr val="tx1"/>
+    </cs:fontRef>
+    <cs:spPr>
+      <a:ln w="9525" cap="flat" cmpd="sng" algn="ctr">
+        <a:solidFill>
+          <a:schemeClr val="tx1">
+            <a:lumMod val="65000"/>
+            <a:lumOff val="35000"/>
+          </a:schemeClr>
+        </a:solidFill>
+        <a:round/>
+      </a:ln>
+    </cs:spPr>
+  </cs:errorBar>
+  <cs:floor>
+    <cs:lnRef idx="0"/>
+    <cs:fillRef idx="0"/>
+    <cs:effectRef idx="0"/>
+    <cs:fontRef idx="minor">
+      <a:schemeClr val="tx1"/>
+    </cs:fontRef>
+    <cs:spPr>
+      <a:noFill/>
+      <a:ln>
+        <a:noFill/>
+      </a:ln>
+    </cs:spPr>
+  </cs:floor>
+  <cs:gridlineMajor>
+    <cs:lnRef idx="0"/>
+    <cs:fillRef idx="0"/>
+    <cs:effectRef idx="0"/>
+    <cs:fontRef idx="minor">
+      <a:schemeClr val="tx1"/>
+    </cs:fontRef>
+    <cs:spPr>
+      <a:ln w="9525" cap="flat" cmpd="sng" algn="ctr">
+        <a:solidFill>
+          <a:schemeClr val="tx1">
+            <a:lumMod val="15000"/>
+            <a:lumOff val="85000"/>
+          </a:schemeClr>
+        </a:solidFill>
+        <a:round/>
+      </a:ln>
+    </cs:spPr>
+  </cs:gridlineMajor>
+  <cs:gridlineMinor>
+    <cs:lnRef idx="0"/>
+    <cs:fillRef idx="0"/>
+    <cs:effectRef idx="0"/>
+    <cs:fontRef idx="minor">
+      <a:schemeClr val="tx1"/>
+    </cs:fontRef>
+    <cs:spPr>
+      <a:ln w="9525" cap="flat" cmpd="sng" algn="ctr">
+        <a:solidFill>
+          <a:schemeClr val="tx1">
+            <a:lumMod val="5000"/>
+            <a:lumOff val="95000"/>
+          </a:schemeClr>
+        </a:solidFill>
+        <a:round/>
+      </a:ln>
+    </cs:spPr>
+  </cs:gridlineMinor>
+  <cs:hiLoLine>
+    <cs:lnRef idx="0"/>
+    <cs:fillRef idx="0"/>
+    <cs:effectRef idx="0"/>
+    <cs:fontRef idx="minor">
+      <a:schemeClr val="tx1"/>
+    </cs:fontRef>
+    <cs:spPr>
+      <a:ln w="9525" cap="flat" cmpd="sng" algn="ctr">
+        <a:solidFill>
+          <a:schemeClr val="tx1">
+            <a:lumMod val="50000"/>
+            <a:lumOff val="50000"/>
+          </a:schemeClr>
+        </a:solidFill>
+        <a:round/>
+      </a:ln>
+    </cs:spPr>
+  </cs:hiLoLine>
+  <cs:leaderLine>
+    <cs:lnRef idx="0"/>
+    <cs:fillRef idx="0"/>
+    <cs:effectRef idx="0"/>
+    <cs:fontRef idx="minor">
+      <a:schemeClr val="tx1"/>
+    </cs:fontRef>
+    <cs:spPr>
+      <a:ln w="9525" cap="flat" cmpd="sng" algn="ctr">
+        <a:solidFill>
+          <a:schemeClr val="tx1">
+            <a:lumMod val="35000"/>
+            <a:lumOff val="65000"/>
+          </a:schemeClr>
+        </a:solidFill>
+        <a:round/>
+      </a:ln>
+    </cs:spPr>
+  </cs:leaderLine>
+  <cs:legend>
+    <cs:lnRef idx="0"/>
+    <cs:fillRef idx="0"/>
+    <cs:effectRef idx="0"/>
+    <cs:fontRef idx="minor">
+      <a:schemeClr val="tx1">
+        <a:lumMod val="65000"/>
+        <a:lumOff val="35000"/>
+      </a:schemeClr>
+    </cs:fontRef>
+    <cs:defRPr sz="1197" kern="1200"/>
+  </cs:legend>
+  <cs:plotArea mods="allowNoFillOverride allowNoLineOverride">
+    <cs:lnRef idx="0"/>
+    <cs:fillRef idx="0"/>
+    <cs:effectRef idx="0"/>
+    <cs:fontRef idx="minor">
+      <a:schemeClr val="tx1"/>
+    </cs:fontRef>
+  </cs:plotArea>
+  <cs:plotArea3D mods="allowNoFillOverride allowNoLineOverride">
+    <cs:lnRef idx="0"/>
+    <cs:fillRef idx="0"/>
+    <cs:effectRef idx="0"/>
+    <cs:fontRef idx="minor">
+      <a:schemeClr val="tx1"/>
+    </cs:fontRef>
+  </cs:plotArea3D>
+  <cs:seriesAxis>
+    <cs:lnRef idx="0"/>
+    <cs:fillRef idx="0"/>
+    <cs:effectRef idx="0"/>
+    <cs:fontRef idx="minor">
+      <a:schemeClr val="tx1">
+        <a:lumMod val="65000"/>
+        <a:lumOff val="35000"/>
+      </a:schemeClr>
+    </cs:fontRef>
+    <cs:defRPr sz="1197" kern="1200"/>
+  </cs:seriesAxis>
+  <cs:seriesLine>
+    <cs:lnRef idx="0"/>
+    <cs:fillRef idx="0"/>
+    <cs:effectRef idx="0"/>
+    <cs:fontRef idx="minor">
+      <a:schemeClr val="tx1"/>
+    </cs:fontRef>
+    <cs:spPr>
+      <a:ln w="9525" cap="flat" cmpd="sng" algn="ctr">
+        <a:solidFill>
+          <a:schemeClr val="tx1">
+            <a:lumMod val="35000"/>
+            <a:lumOff val="65000"/>
+          </a:schemeClr>
+        </a:solidFill>
+        <a:round/>
+      </a:ln>
+    </cs:spPr>
+  </cs:seriesLine>
+  <cs:title>
+    <cs:lnRef idx="0"/>
+    <cs:fillRef idx="0"/>
+    <cs:effectRef idx="0"/>
+    <cs:fontRef idx="minor">
+      <a:schemeClr val="tx1">
+        <a:lumMod val="65000"/>
+        <a:lumOff val="35000"/>
+      </a:schemeClr>
+    </cs:fontRef>
+    <cs:defRPr sz="1862" b="0" kern="1200" spc="0" baseline="0"/>
+  </cs:title>
+  <cs:trendline>
+    <cs:lnRef idx="0">
+      <cs:styleClr val="auto"/>
+    </cs:lnRef>
+    <cs:fillRef idx="0"/>
+    <cs:effectRef idx="0"/>
+    <cs:fontRef idx="minor">
+      <a:schemeClr val="tx1"/>
+    </cs:fontRef>
+    <cs:spPr>
+      <a:ln w="19050" cap="rnd">
+        <a:solidFill>
+          <a:schemeClr val="phClr"/>
+        </a:solidFill>
+        <a:prstDash val="sysDot"/>
+      </a:ln>
+    </cs:spPr>
+  </cs:trendline>
+  <cs:trendlineLabel>
+    <cs:lnRef idx="0"/>
+    <cs:fillRef idx="0"/>
+    <cs:effectRef idx="0"/>
+    <cs:fontRef idx="minor">
+      <a:schemeClr val="tx1">
+        <a:lumMod val="65000"/>
+        <a:lumOff val="35000"/>
+      </a:schemeClr>
+    </cs:fontRef>
+    <cs:defRPr sz="1197" kern="1200"/>
+  </cs:trendlineLabel>
+  <cs:upBar>
+    <cs:lnRef idx="0"/>
+    <cs:fillRef idx="0"/>
+    <cs:effectRef idx="0"/>
+    <cs:fontRef idx="minor">
+      <a:schemeClr val="tx1"/>
+    </cs:fontRef>
+    <cs:spPr>
+      <a:solidFill>
+        <a:schemeClr val="lt1"/>
+      </a:solidFill>
+      <a:ln w="9525" cap="flat" cmpd="sng" algn="ctr">
+        <a:solidFill>
+          <a:schemeClr val="tx1">
+            <a:lumMod val="65000"/>
+            <a:lumOff val="35000"/>
+          </a:schemeClr>
+        </a:solidFill>
+        <a:round/>
+      </a:ln>
+    </cs:spPr>
+  </cs:upBar>
+  <cs:valueAxis>
+    <cs:lnRef idx="0"/>
+    <cs:fillRef idx="0"/>
+    <cs:effectRef idx="0"/>
+    <cs:fontRef idx="minor">
+      <a:schemeClr val="tx1">
+        <a:lumMod val="65000"/>
+        <a:lumOff val="35000"/>
+      </a:schemeClr>
+    </cs:fontRef>
+    <cs:defRPr sz="1197" kern="1200"/>
+  </cs:valueAxis>
+  <cs:wall>
+    <cs:lnRef idx="0"/>
+    <cs:fillRef idx="0"/>
+    <cs:effectRef idx="0"/>
+    <cs:fontRef idx="minor">
+      <a:schemeClr val="tx1"/>
+    </cs:fontRef>
+    <cs:spPr>
+      <a:noFill/>
+      <a:ln>
+        <a:noFill/>
+      </a:ln>
+    </cs:spPr>
+  </cs:wall>
+</cs:chartStyle>
 </file>
 
 <file path=ppt/notesMasters/notesMaster1.xml><?xml version="1.0" encoding="utf-8"?>
@@ -220,7 +1094,7 @@
           <a:p>
             <a:fld id="{0165302C-3815-764C-93F1-F2B4709AFEA2}" type="datetimeFigureOut">
               <a:rPr lang="en-US" smtClean="0"/>
-              <a:t>1/19/23</a:t>
+              <a:t>1/20/23</a:t>
             </a:fld>
             <a:endParaRPr lang="en-US"/>
           </a:p>
@@ -552,7 +1426,7 @@
           <a:p>
             <a:fld id="{AA36E35A-278A-F340-9365-AA54B38194D1}" type="slidenum">
               <a:rPr lang="en-US" smtClean="0"/>
-              <a:t>4</a:t>
+              <a:t>5</a:t>
             </a:fld>
             <a:endParaRPr lang="en-US"/>
           </a:p>
@@ -10396,6 +11270,465 @@
       </p:grpSpPr>
       <p:graphicFrame>
         <p:nvGraphicFramePr>
+          <p:cNvPr id="4" name="Object 3" hidden="1">
+            <a:extLst>
+              <a:ext uri="{FF2B5EF4-FFF2-40B4-BE49-F238E27FC236}">
+                <a16:creationId xmlns:a16="http://schemas.microsoft.com/office/drawing/2014/main" id="{B78D390B-A5C3-C14C-4CD2-B2ECC6F1B59F}"/>
+              </a:ext>
+            </a:extLst>
+          </p:cNvPr>
+          <p:cNvGraphicFramePr>
+            <a:graphicFrameLocks noChangeAspect="1"/>
+          </p:cNvGraphicFramePr>
+          <p:nvPr>
+            <p:custDataLst>
+              <p:tags r:id="rId1"/>
+            </p:custDataLst>
+            <p:extLst>
+              <p:ext uri="{D42A27DB-BD31-4B8C-83A1-F6EECF244321}">
+                <p14:modId xmlns:p14="http://schemas.microsoft.com/office/powerpoint/2010/main" val="2203454035"/>
+              </p:ext>
+            </p:extLst>
+          </p:nvPr>
+        </p:nvGraphicFramePr>
+        <p:xfrm>
+          <a:off x="1588" y="1588"/>
+          <a:ext cx="1227" cy="1588"/>
+        </p:xfrm>
+        <a:graphic>
+          <a:graphicData uri="http://schemas.openxmlformats.org/presentationml/2006/ole">
+            <mc:AlternateContent xmlns:mc="http://schemas.openxmlformats.org/markup-compatibility/2006">
+              <mc:Choice xmlns:v="urn:schemas-microsoft-com:vml" Requires="v">
+                <p:oleObj name="think-cell Slide" r:id="rId3" imgW="7772400" imgH="10058400" progId="TCLayout.ActiveDocument.1">
+                  <p:embed/>
+                </p:oleObj>
+              </mc:Choice>
+              <mc:Fallback>
+                <p:oleObj name="think-cell Slide" r:id="rId3" imgW="7772400" imgH="10058400" progId="TCLayout.ActiveDocument.1">
+                  <p:embed/>
+                  <p:pic>
+                    <p:nvPicPr>
+                      <p:cNvPr id="4" name="Object 3" hidden="1">
+                        <a:extLst>
+                          <a:ext uri="{FF2B5EF4-FFF2-40B4-BE49-F238E27FC236}">
+                            <a16:creationId xmlns:a16="http://schemas.microsoft.com/office/drawing/2014/main" id="{B78D390B-A5C3-C14C-4CD2-B2ECC6F1B59F}"/>
+                          </a:ext>
+                        </a:extLst>
+                      </p:cNvPr>
+                      <p:cNvPicPr/>
+                      <p:nvPr/>
+                    </p:nvPicPr>
+                    <p:blipFill>
+                      <a:blip r:embed="rId4"/>
+                      <a:stretch>
+                        <a:fillRect/>
+                      </a:stretch>
+                    </p:blipFill>
+                    <p:spPr>
+                      <a:xfrm>
+                        <a:off x="1588" y="1588"/>
+                        <a:ext cx="1227" cy="1588"/>
+                      </a:xfrm>
+                      <a:prstGeom prst="rect">
+                        <a:avLst/>
+                      </a:prstGeom>
+                    </p:spPr>
+                  </p:pic>
+                </p:oleObj>
+              </mc:Fallback>
+            </mc:AlternateContent>
+          </a:graphicData>
+        </a:graphic>
+      </p:graphicFrame>
+      <p:sp>
+        <p:nvSpPr>
+          <p:cNvPr id="2" name="Slide Number Placeholder 1">
+            <a:extLst>
+              <a:ext uri="{FF2B5EF4-FFF2-40B4-BE49-F238E27FC236}">
+                <a16:creationId xmlns:a16="http://schemas.microsoft.com/office/drawing/2014/main" id="{05EFD276-C283-3990-A7F2-B16762BCC9BD}"/>
+              </a:ext>
+            </a:extLst>
+          </p:cNvPr>
+          <p:cNvSpPr>
+            <a:spLocks noGrp="1"/>
+          </p:cNvSpPr>
+          <p:nvPr>
+            <p:ph type="sldNum" sz="quarter" idx="11"/>
+          </p:nvPr>
+        </p:nvSpPr>
+        <p:spPr/>
+        <p:txBody>
+          <a:bodyPr/>
+          <a:lstStyle/>
+          <a:p>
+            <a:fld id="{C8C09DA5-8C43-4702-8900-F4900F7A89AE}" type="slidenum">
+              <a:rPr lang="en-US" smtClean="0"/>
+              <a:pPr/>
+              <a:t>1</a:t>
+            </a:fld>
+            <a:endParaRPr lang="en-US"/>
+          </a:p>
+        </p:txBody>
+      </p:sp>
+      <p:graphicFrame>
+        <p:nvGraphicFramePr>
+          <p:cNvPr id="38" name="Chart 37">
+            <a:extLst>
+              <a:ext uri="{FF2B5EF4-FFF2-40B4-BE49-F238E27FC236}">
+                <a16:creationId xmlns:a16="http://schemas.microsoft.com/office/drawing/2014/main" id="{0DA8BFC2-092A-CAD6-5EB5-02CF26FA25A8}"/>
+              </a:ext>
+            </a:extLst>
+          </p:cNvPr>
+          <p:cNvGraphicFramePr/>
+          <p:nvPr>
+            <p:extLst>
+              <p:ext uri="{D42A27DB-BD31-4B8C-83A1-F6EECF244321}">
+                <p14:modId xmlns:p14="http://schemas.microsoft.com/office/powerpoint/2010/main" val="2881488649"/>
+              </p:ext>
+            </p:extLst>
+          </p:nvPr>
+        </p:nvGraphicFramePr>
+        <p:xfrm>
+          <a:off x="2032000" y="719666"/>
+          <a:ext cx="8128000" cy="5418667"/>
+        </p:xfrm>
+        <a:graphic>
+          <a:graphicData uri="http://schemas.openxmlformats.org/drawingml/2006/chart">
+            <c:chart xmlns:c="http://schemas.openxmlformats.org/drawingml/2006/chart" xmlns:r="http://schemas.openxmlformats.org/officeDocument/2006/relationships" r:id="rId5"/>
+          </a:graphicData>
+        </a:graphic>
+      </p:graphicFrame>
+      <p:sp>
+        <p:nvSpPr>
+          <p:cNvPr id="39" name="Title 1">
+            <a:extLst>
+              <a:ext uri="{FF2B5EF4-FFF2-40B4-BE49-F238E27FC236}">
+                <a16:creationId xmlns:a16="http://schemas.microsoft.com/office/drawing/2014/main" id="{26BF81DA-050E-B003-E724-877DB6E03DDE}"/>
+              </a:ext>
+            </a:extLst>
+          </p:cNvPr>
+          <p:cNvSpPr txBox="1">
+            <a:spLocks/>
+          </p:cNvSpPr>
+          <p:nvPr/>
+        </p:nvSpPr>
+        <p:spPr>
+          <a:xfrm>
+            <a:off x="342900" y="396164"/>
+            <a:ext cx="5985329" cy="353302"/>
+          </a:xfrm>
+          <a:prstGeom prst="rect">
+            <a:avLst/>
+          </a:prstGeom>
+          <a:noFill/>
+        </p:spPr>
+        <p:txBody>
+          <a:bodyPr vert="horz" wrap="square" lIns="0" tIns="0" rIns="0" bIns="0" rtlCol="0" anchor="ctr" anchorCtr="0">
+            <a:spAutoFit/>
+          </a:bodyPr>
+          <a:lstStyle>
+            <a:lvl1pPr algn="l" defTabSz="914400" rtl="0" eaLnBrk="1" latinLnBrk="0" hangingPunct="1">
+              <a:lnSpc>
+                <a:spcPct val="80000"/>
+              </a:lnSpc>
+              <a:spcBef>
+                <a:spcPct val="0"/>
+              </a:spcBef>
+              <a:buNone/>
+              <a:defRPr lang="en-US" sz="7200" b="1" kern="1200" dirty="0">
+                <a:solidFill>
+                  <a:schemeClr val="accent1"/>
+                </a:solidFill>
+                <a:latin typeface="+mj-lt"/>
+                <a:ea typeface="+mj-ea"/>
+                <a:cs typeface="+mj-cs"/>
+              </a:defRPr>
+            </a:lvl1pPr>
+          </a:lstStyle>
+          <a:p>
+            <a:r>
+              <a:rPr lang="en-US" sz="2800"/>
+              <a:t>Best Buy Revenue Distribution 2021</a:t>
+            </a:r>
+          </a:p>
+        </p:txBody>
+      </p:sp>
+    </p:spTree>
+    <p:extLst>
+      <p:ext uri="{BB962C8B-B14F-4D97-AF65-F5344CB8AC3E}">
+        <p14:creationId xmlns:p14="http://schemas.microsoft.com/office/powerpoint/2010/main" val="3479317855"/>
+      </p:ext>
+    </p:extLst>
+  </p:cSld>
+  <p:clrMapOvr>
+    <a:masterClrMapping/>
+  </p:clrMapOvr>
+  <mc:AlternateContent xmlns:mc="http://schemas.openxmlformats.org/markup-compatibility/2006">
+    <mc:Choice xmlns:p14="http://schemas.microsoft.com/office/powerpoint/2010/main" Requires="p14">
+      <p:transition spd="med" p14:dur="700">
+        <p:fade/>
+      </p:transition>
+    </mc:Choice>
+    <mc:Fallback>
+      <p:transition spd="med">
+        <p:fade/>
+      </p:transition>
+    </mc:Fallback>
+  </mc:AlternateContent>
+</p:sld>
+</file>
+
+<file path=ppt/slides/slide10.xml><?xml version="1.0" encoding="utf-8"?>
+<p:sld xmlns:a="http://schemas.openxmlformats.org/drawingml/2006/main" xmlns:r="http://schemas.openxmlformats.org/officeDocument/2006/relationships" xmlns:p="http://schemas.openxmlformats.org/presentationml/2006/main">
+  <p:cSld>
+    <p:spTree>
+      <p:nvGrpSpPr>
+        <p:cNvPr id="1" name=""/>
+        <p:cNvGrpSpPr/>
+        <p:nvPr/>
+      </p:nvGrpSpPr>
+      <p:grpSpPr>
+        <a:xfrm>
+          <a:off x="0" y="0"/>
+          <a:ext cx="0" cy="0"/>
+          <a:chOff x="0" y="0"/>
+          <a:chExt cx="0" cy="0"/>
+        </a:xfrm>
+      </p:grpSpPr>
+      <p:graphicFrame>
+        <p:nvGraphicFramePr>
+          <p:cNvPr id="7" name="Object 6" hidden="1">
+            <a:extLst>
+              <a:ext uri="{FF2B5EF4-FFF2-40B4-BE49-F238E27FC236}">
+                <a16:creationId xmlns:a16="http://schemas.microsoft.com/office/drawing/2014/main" id="{B9218636-E0B4-C126-1D16-5DA04A87A64E}"/>
+              </a:ext>
+            </a:extLst>
+          </p:cNvPr>
+          <p:cNvGraphicFramePr>
+            <a:graphicFrameLocks noChangeAspect="1"/>
+          </p:cNvGraphicFramePr>
+          <p:nvPr>
+            <p:custDataLst>
+              <p:tags r:id="rId1"/>
+            </p:custDataLst>
+            <p:extLst>
+              <p:ext uri="{D42A27DB-BD31-4B8C-83A1-F6EECF244321}">
+                <p14:modId xmlns:p14="http://schemas.microsoft.com/office/powerpoint/2010/main" val="216301519"/>
+              </p:ext>
+            </p:extLst>
+          </p:nvPr>
+        </p:nvGraphicFramePr>
+        <p:xfrm>
+          <a:off x="1588" y="1588"/>
+          <a:ext cx="1227" cy="1588"/>
+        </p:xfrm>
+        <a:graphic>
+          <a:graphicData uri="http://schemas.openxmlformats.org/presentationml/2006/ole">
+            <mc:AlternateContent xmlns:mc="http://schemas.openxmlformats.org/markup-compatibility/2006">
+              <mc:Choice xmlns:v="urn:schemas-microsoft-com:vml" Requires="v">
+                <p:oleObj name="think-cell Slide" r:id="rId3" imgW="7772400" imgH="10058400" progId="TCLayout.ActiveDocument.1">
+                  <p:embed/>
+                </p:oleObj>
+              </mc:Choice>
+              <mc:Fallback>
+                <p:oleObj name="think-cell Slide" r:id="rId3" imgW="7772400" imgH="10058400" progId="TCLayout.ActiveDocument.1">
+                  <p:embed/>
+                  <p:pic>
+                    <p:nvPicPr>
+                      <p:cNvPr id="7" name="Object 6" hidden="1">
+                        <a:extLst>
+                          <a:ext uri="{FF2B5EF4-FFF2-40B4-BE49-F238E27FC236}">
+                            <a16:creationId xmlns:a16="http://schemas.microsoft.com/office/drawing/2014/main" id="{B9218636-E0B4-C126-1D16-5DA04A87A64E}"/>
+                          </a:ext>
+                        </a:extLst>
+                      </p:cNvPr>
+                      <p:cNvPicPr/>
+                      <p:nvPr/>
+                    </p:nvPicPr>
+                    <p:blipFill>
+                      <a:blip r:embed="rId4"/>
+                      <a:stretch>
+                        <a:fillRect/>
+                      </a:stretch>
+                    </p:blipFill>
+                    <p:spPr>
+                      <a:xfrm>
+                        <a:off x="1588" y="1588"/>
+                        <a:ext cx="1227" cy="1588"/>
+                      </a:xfrm>
+                      <a:prstGeom prst="rect">
+                        <a:avLst/>
+                      </a:prstGeom>
+                    </p:spPr>
+                  </p:pic>
+                </p:oleObj>
+              </mc:Fallback>
+            </mc:AlternateContent>
+          </a:graphicData>
+        </a:graphic>
+      </p:graphicFrame>
+      <p:sp>
+        <p:nvSpPr>
+          <p:cNvPr id="2" name="Title 1">
+            <a:extLst>
+              <a:ext uri="{FF2B5EF4-FFF2-40B4-BE49-F238E27FC236}">
+                <a16:creationId xmlns:a16="http://schemas.microsoft.com/office/drawing/2014/main" id="{65BF5C4E-476A-C35C-298D-0EFE28A796FC}"/>
+              </a:ext>
+            </a:extLst>
+          </p:cNvPr>
+          <p:cNvSpPr>
+            <a:spLocks noGrp="1"/>
+          </p:cNvSpPr>
+          <p:nvPr>
+            <p:ph type="title"/>
+          </p:nvPr>
+        </p:nvSpPr>
+        <p:spPr/>
+        <p:txBody>
+          <a:bodyPr vert="horz"/>
+          <a:lstStyle/>
+          <a:p>
+            <a:r>
+              <a:rPr lang="en-US"/>
+              <a:t>SHAP &amp; feature importance plot</a:t>
+            </a:r>
+          </a:p>
+        </p:txBody>
+      </p:sp>
+      <p:sp>
+        <p:nvSpPr>
+          <p:cNvPr id="3" name="Slide Number Placeholder 2">
+            <a:extLst>
+              <a:ext uri="{FF2B5EF4-FFF2-40B4-BE49-F238E27FC236}">
+                <a16:creationId xmlns:a16="http://schemas.microsoft.com/office/drawing/2014/main" id="{127CC900-7BE8-61A0-D640-E38C9E517FF1}"/>
+              </a:ext>
+            </a:extLst>
+          </p:cNvPr>
+          <p:cNvSpPr>
+            <a:spLocks noGrp="1"/>
+          </p:cNvSpPr>
+          <p:nvPr>
+            <p:ph type="sldNum" sz="quarter" idx="10"/>
+          </p:nvPr>
+        </p:nvSpPr>
+        <p:spPr/>
+        <p:txBody>
+          <a:bodyPr/>
+          <a:lstStyle/>
+          <a:p>
+            <a:fld id="{C8C09DA5-8C43-4702-8900-F4900F7A89AE}" type="slidenum">
+              <a:rPr lang="en-US" smtClean="0"/>
+              <a:pPr/>
+              <a:t>10</a:t>
+            </a:fld>
+            <a:endParaRPr lang="en-US"/>
+          </a:p>
+        </p:txBody>
+      </p:sp>
+      <p:pic>
+        <p:nvPicPr>
+          <p:cNvPr id="5" name="Picture 4">
+            <a:extLst>
+              <a:ext uri="{FF2B5EF4-FFF2-40B4-BE49-F238E27FC236}">
+                <a16:creationId xmlns:a16="http://schemas.microsoft.com/office/drawing/2014/main" id="{D3931858-F968-2EC8-7C19-C5769C1DD847}"/>
+              </a:ext>
+            </a:extLst>
+          </p:cNvPr>
+          <p:cNvPicPr>
+            <a:picLocks noChangeAspect="1"/>
+          </p:cNvPicPr>
+          <p:nvPr/>
+        </p:nvPicPr>
+        <p:blipFill>
+          <a:blip r:embed="rId5"/>
+          <a:stretch>
+            <a:fillRect/>
+          </a:stretch>
+        </p:blipFill>
+        <p:spPr>
+          <a:xfrm>
+            <a:off x="5168303" y="2144410"/>
+            <a:ext cx="6248288" cy="3210765"/>
+          </a:xfrm>
+          <a:prstGeom prst="rect">
+            <a:avLst/>
+          </a:prstGeom>
+        </p:spPr>
+      </p:pic>
+      <p:pic>
+        <p:nvPicPr>
+          <p:cNvPr id="6" name="Picture 5">
+            <a:extLst>
+              <a:ext uri="{FF2B5EF4-FFF2-40B4-BE49-F238E27FC236}">
+                <a16:creationId xmlns:a16="http://schemas.microsoft.com/office/drawing/2014/main" id="{272BA402-706B-0CD3-F27D-F58FF0EAF7E1}"/>
+              </a:ext>
+            </a:extLst>
+          </p:cNvPr>
+          <p:cNvPicPr>
+            <a:picLocks noChangeAspect="1"/>
+          </p:cNvPicPr>
+          <p:nvPr/>
+        </p:nvPicPr>
+        <p:blipFill>
+          <a:blip r:embed="rId6"/>
+          <a:stretch>
+            <a:fillRect/>
+          </a:stretch>
+        </p:blipFill>
+        <p:spPr>
+          <a:xfrm>
+            <a:off x="1156409" y="1643532"/>
+            <a:ext cx="3564440" cy="4212521"/>
+          </a:xfrm>
+          <a:prstGeom prst="rect">
+            <a:avLst/>
+          </a:prstGeom>
+        </p:spPr>
+      </p:pic>
+    </p:spTree>
+    <p:extLst>
+      <p:ext uri="{BB962C8B-B14F-4D97-AF65-F5344CB8AC3E}">
+        <p14:creationId xmlns:p14="http://schemas.microsoft.com/office/powerpoint/2010/main" val="1945028301"/>
+      </p:ext>
+    </p:extLst>
+  </p:cSld>
+  <p:clrMapOvr>
+    <a:masterClrMapping/>
+  </p:clrMapOvr>
+  <mc:AlternateContent xmlns:mc="http://schemas.openxmlformats.org/markup-compatibility/2006">
+    <mc:Choice xmlns:p14="http://schemas.microsoft.com/office/powerpoint/2010/main" Requires="p14">
+      <p:transition spd="med" p14:dur="700">
+        <p:fade/>
+      </p:transition>
+    </mc:Choice>
+    <mc:Fallback>
+      <p:transition spd="med">
+        <p:fade/>
+      </p:transition>
+    </mc:Fallback>
+  </mc:AlternateContent>
+</p:sld>
+</file>
+
+<file path=ppt/slides/slide2.xml><?xml version="1.0" encoding="utf-8"?>
+<p:sld xmlns:a="http://schemas.openxmlformats.org/drawingml/2006/main" xmlns:r="http://schemas.openxmlformats.org/officeDocument/2006/relationships" xmlns:p="http://schemas.openxmlformats.org/presentationml/2006/main">
+  <p:cSld>
+    <p:spTree>
+      <p:nvGrpSpPr>
+        <p:cNvPr id="1" name=""/>
+        <p:cNvGrpSpPr/>
+        <p:nvPr/>
+      </p:nvGrpSpPr>
+      <p:grpSpPr>
+        <a:xfrm>
+          <a:off x="0" y="0"/>
+          <a:ext cx="0" cy="0"/>
+          <a:chOff x="0" y="0"/>
+          <a:chExt cx="0" cy="0"/>
+        </a:xfrm>
+      </p:grpSpPr>
+      <p:graphicFrame>
+        <p:nvGraphicFramePr>
           <p:cNvPr id="5" name="Object 4" hidden="1">
             <a:extLst>
               <a:ext uri="{FF2B5EF4-FFF2-40B4-BE49-F238E27FC236}">
@@ -10614,7 +11947,7 @@
             <a:fld id="{C8C09DA5-8C43-4702-8900-F4900F7A89AE}" type="slidenum">
               <a:rPr lang="en-US" smtClean="0"/>
               <a:pPr/>
-              <a:t>1</a:t>
+              <a:t>2</a:t>
             </a:fld>
             <a:endParaRPr lang="en-US"/>
           </a:p>
@@ -11146,7 +12479,7 @@
 </p:sld>
 </file>
 
-<file path=ppt/slides/slide2.xml><?xml version="1.0" encoding="utf-8"?>
+<file path=ppt/slides/slide3.xml><?xml version="1.0" encoding="utf-8"?>
 <p:sld xmlns:a="http://schemas.openxmlformats.org/drawingml/2006/main" xmlns:r="http://schemas.openxmlformats.org/officeDocument/2006/relationships" xmlns:p="http://schemas.openxmlformats.org/presentationml/2006/main">
   <p:cSld>
     <p:spTree>
@@ -11326,7 +12659,7 @@
             <a:fld id="{C8C09DA5-8C43-4702-8900-F4900F7A89AE}" type="slidenum">
               <a:rPr lang="en-US" smtClean="0"/>
               <a:pPr/>
-              <a:t>2</a:t>
+              <a:t>3</a:t>
             </a:fld>
             <a:endParaRPr lang="en-US"/>
           </a:p>
@@ -11399,7 +12732,7 @@
               <a:rPr lang="en-IN">
                 <a:latin typeface="Arial" panose="020B0604020202020204" pitchFamily="34" charset="0"/>
               </a:rPr>
-              <a:t>Best Buy stocks thousands of </a:t>
+              <a:t>Best Buy stocks hundreds of </a:t>
             </a:r>
             <a:r>
               <a:rPr lang="en-IN" b="1">
@@ -11558,26 +12891,26 @@
               <a:buChar char="§"/>
             </a:pPr>
             <a:r>
-              <a:rPr lang="en-IN" dirty="0">
+              <a:rPr lang="en-IN">
                 <a:latin typeface="Arial" panose="020B0604020202020204" pitchFamily="34" charset="0"/>
               </a:rPr>
               <a:t>Data exploration </a:t>
             </a:r>
             <a:r>
-              <a:rPr lang="en-IN" dirty="0">
+              <a:rPr lang="en-IN">
                 <a:latin typeface="Arial" panose="020B0604020202020204" pitchFamily="34" charset="0"/>
                 <a:sym typeface="Wingdings" pitchFamily="2" charset="2"/>
               </a:rPr>
               <a:t> </a:t>
             </a:r>
             <a:r>
-              <a:rPr lang="en-IN" b="1" dirty="0">
+              <a:rPr lang="en-IN" b="1">
                 <a:latin typeface="Arial" panose="020B0604020202020204" pitchFamily="34" charset="0"/>
                 <a:sym typeface="Wingdings" pitchFamily="2" charset="2"/>
               </a:rPr>
               <a:t>Tableau</a:t>
             </a:r>
-            <a:endParaRPr lang="en-IN" b="1" dirty="0">
+            <a:endParaRPr lang="en-IN" b="1">
               <a:latin typeface="Arial" panose="020B0604020202020204" pitchFamily="34" charset="0"/>
             </a:endParaRPr>
           </a:p>
@@ -11597,13 +12930,13 @@
               <a:buChar char="§"/>
             </a:pPr>
             <a:r>
-              <a:rPr lang="en-IN" b="1" dirty="0">
+              <a:rPr lang="en-IN" b="1">
                 <a:latin typeface="Arial" panose="020B0604020202020204" pitchFamily="34" charset="0"/>
               </a:rPr>
               <a:t>Internal &amp; external data </a:t>
             </a:r>
             <a:r>
-              <a:rPr lang="en-IN" dirty="0">
+              <a:rPr lang="en-IN">
                 <a:latin typeface="Arial" panose="020B0604020202020204" pitchFamily="34" charset="0"/>
               </a:rPr>
               <a:t>used for feature creation</a:t>
@@ -11625,26 +12958,26 @@
               <a:buChar char="§"/>
             </a:pPr>
             <a:r>
-              <a:rPr lang="en-IN" b="1" dirty="0">
+              <a:rPr lang="en-IN" b="1">
                 <a:latin typeface="Arial" panose="020B0604020202020204" pitchFamily="34" charset="0"/>
               </a:rPr>
               <a:t>Feature selection</a:t>
             </a:r>
             <a:r>
-              <a:rPr lang="en-IN" b="1" dirty="0">
+              <a:rPr lang="en-IN" b="1">
                 <a:latin typeface="Arial" panose="020B0604020202020204" pitchFamily="34" charset="0"/>
                 <a:sym typeface="Wingdings" pitchFamily="2" charset="2"/>
               </a:rPr>
               <a:t> </a:t>
             </a:r>
             <a:r>
-              <a:rPr lang="en-IN" dirty="0">
+              <a:rPr lang="en-IN">
                 <a:latin typeface="Arial" panose="020B0604020202020204" pitchFamily="34" charset="0"/>
                 <a:sym typeface="Wingdings" pitchFamily="2" charset="2"/>
               </a:rPr>
               <a:t> evaluating the best combination of features</a:t>
             </a:r>
-            <a:endParaRPr lang="en-IN" b="1" dirty="0">
+            <a:endParaRPr lang="en-IN" b="1">
               <a:latin typeface="Arial" panose="020B0604020202020204" pitchFamily="34" charset="0"/>
             </a:endParaRPr>
           </a:p>
@@ -11661,40 +12994,40 @@
               <a:buChar char="§"/>
             </a:pPr>
             <a:r>
-              <a:rPr lang="en-IN" dirty="0">
+              <a:rPr lang="en-IN">
                 <a:latin typeface="Arial" panose="020B0604020202020204" pitchFamily="34" charset="0"/>
               </a:rPr>
               <a:t>Best model </a:t>
             </a:r>
             <a:r>
-              <a:rPr lang="en-IN" dirty="0">
+              <a:rPr lang="en-IN">
                 <a:latin typeface="Arial" panose="020B0604020202020204" pitchFamily="34" charset="0"/>
                 <a:sym typeface="Wingdings" pitchFamily="2" charset="2"/>
               </a:rPr>
               <a:t> </a:t>
             </a:r>
             <a:r>
-              <a:rPr lang="en-IN" b="1" dirty="0" err="1">
+              <a:rPr lang="en-IN" b="1" err="1">
                 <a:latin typeface="Arial" panose="020B0604020202020204" pitchFamily="34" charset="0"/>
                 <a:sym typeface="Wingdings" pitchFamily="2" charset="2"/>
               </a:rPr>
               <a:t>LightGBM</a:t>
             </a:r>
             <a:r>
-              <a:rPr lang="en-IN" b="1" dirty="0">
+              <a:rPr lang="en-IN" b="1">
                 <a:latin typeface="Arial" panose="020B0604020202020204" pitchFamily="34" charset="0"/>
                 <a:sym typeface="Wingdings" pitchFamily="2" charset="2"/>
               </a:rPr>
               <a:t> </a:t>
             </a:r>
             <a:r>
-              <a:rPr lang="en-IN" dirty="0">
+              <a:rPr lang="en-IN">
                 <a:latin typeface="Arial" panose="020B0604020202020204" pitchFamily="34" charset="0"/>
                 <a:sym typeface="Wingdings" pitchFamily="2" charset="2"/>
               </a:rPr>
               <a:t>with lag features (recommended model)</a:t>
             </a:r>
-            <a:endParaRPr lang="en-IN" dirty="0">
+            <a:endParaRPr lang="en-IN">
               <a:latin typeface="Arial" panose="020B0604020202020204" pitchFamily="34" charset="0"/>
             </a:endParaRPr>
           </a:p>
@@ -11711,54 +13044,54 @@
               <a:buChar char="§"/>
             </a:pPr>
             <a:r>
-              <a:rPr lang="en-IN" dirty="0">
+              <a:rPr lang="en-IN">
                 <a:latin typeface="Arial" panose="020B0604020202020204" pitchFamily="34" charset="0"/>
               </a:rPr>
               <a:t>Performance </a:t>
             </a:r>
             <a:r>
-              <a:rPr lang="en-IN" dirty="0">
+              <a:rPr lang="en-IN">
                 <a:latin typeface="Arial" panose="020B0604020202020204" pitchFamily="34" charset="0"/>
                 <a:sym typeface="Wingdings" pitchFamily="2" charset="2"/>
               </a:rPr>
               <a:t> </a:t>
             </a:r>
             <a:r>
-              <a:rPr lang="en-IN" b="1" dirty="0">
+              <a:rPr lang="en-IN" b="1">
                 <a:latin typeface="Arial" panose="020B0604020202020204" pitchFamily="34" charset="0"/>
                 <a:sym typeface="Wingdings" pitchFamily="2" charset="2"/>
               </a:rPr>
-              <a:t>RSME of 3.39 </a:t>
+              <a:t>RMSE of 3.39 </a:t>
             </a:r>
             <a:r>
-              <a:rPr lang="en-IN" dirty="0">
+              <a:rPr lang="en-IN">
                 <a:latin typeface="Arial" panose="020B0604020202020204" pitchFamily="34" charset="0"/>
                 <a:sym typeface="Wingdings" pitchFamily="2" charset="2"/>
               </a:rPr>
               <a:t>for our </a:t>
             </a:r>
             <a:r>
-              <a:rPr lang="en-IN" dirty="0" err="1">
+              <a:rPr lang="en-IN" err="1">
                 <a:latin typeface="Arial" panose="020B0604020202020204" pitchFamily="34" charset="0"/>
                 <a:sym typeface="Wingdings" pitchFamily="2" charset="2"/>
               </a:rPr>
               <a:t>LightGBM</a:t>
             </a:r>
             <a:r>
-              <a:rPr lang="en-IN" dirty="0">
+              <a:rPr lang="en-IN">
                 <a:latin typeface="Arial" panose="020B0604020202020204" pitchFamily="34" charset="0"/>
                 <a:sym typeface="Wingdings" pitchFamily="2" charset="2"/>
               </a:rPr>
               <a:t> model </a:t>
             </a:r>
             <a:r>
-              <a:rPr lang="en-IN" b="1" dirty="0">
+              <a:rPr lang="en-IN" b="1">
                 <a:latin typeface="Arial" panose="020B0604020202020204" pitchFamily="34" charset="0"/>
                 <a:sym typeface="Wingdings" pitchFamily="2" charset="2"/>
               </a:rPr>
               <a:t>within 3 seconds</a:t>
             </a:r>
-            <a:endParaRPr lang="en-IN" b="1" dirty="0">
+            <a:endParaRPr lang="en-IN" b="1">
               <a:latin typeface="Arial" panose="020B0604020202020204" pitchFamily="34" charset="0"/>
             </a:endParaRPr>
           </a:p>
@@ -12252,7 +13585,7 @@
 </p:sld>
 </file>
 
-<file path=ppt/slides/slide3.xml><?xml version="1.0" encoding="utf-8"?>
+<file path=ppt/slides/slide4.xml><?xml version="1.0" encoding="utf-8"?>
 <p:sld xmlns:a="http://schemas.openxmlformats.org/drawingml/2006/main" xmlns:r="http://schemas.openxmlformats.org/officeDocument/2006/relationships" xmlns:p="http://schemas.openxmlformats.org/presentationml/2006/main">
   <p:cSld>
     <p:spTree>
@@ -12394,7 +13727,7 @@
             <a:fld id="{C8C09DA5-8C43-4702-8900-F4900F7A89AE}" type="slidenum">
               <a:rPr lang="en-US" smtClean="0"/>
               <a:pPr/>
-              <a:t>3</a:t>
+              <a:t>4</a:t>
             </a:fld>
             <a:endParaRPr lang="en-US"/>
           </a:p>
@@ -12765,7 +14098,7 @@
 </p:sld>
 </file>
 
-<file path=ppt/slides/slide4.xml><?xml version="1.0" encoding="utf-8"?>
+<file path=ppt/slides/slide5.xml><?xml version="1.0" encoding="utf-8"?>
 <p:sld xmlns:a="http://schemas.openxmlformats.org/drawingml/2006/main" xmlns:r="http://schemas.openxmlformats.org/officeDocument/2006/relationships" xmlns:p="http://schemas.openxmlformats.org/presentationml/2006/main">
   <p:cSld>
     <p:spTree>
@@ -32770,7 +34103,7 @@
 </p:sld>
 </file>
 
-<file path=ppt/slides/slide5.xml><?xml version="1.0" encoding="utf-8"?>
+<file path=ppt/slides/slide6.xml><?xml version="1.0" encoding="utf-8"?>
 <p:sld xmlns:a="http://schemas.openxmlformats.org/drawingml/2006/main" xmlns:r="http://schemas.openxmlformats.org/officeDocument/2006/relationships" xmlns:p="http://schemas.openxmlformats.org/presentationml/2006/main">
   <p:cSld>
     <p:spTree>
@@ -32911,7 +34244,7 @@
             <a:fld id="{C8C09DA5-8C43-4702-8900-F4900F7A89AE}" type="slidenum">
               <a:rPr lang="en-US" smtClean="0"/>
               <a:pPr/>
-              <a:t>5</a:t>
+              <a:t>6</a:t>
             </a:fld>
             <a:endParaRPr lang="en-US"/>
           </a:p>
@@ -35713,7 +37046,7 @@
 </p:sld>
 </file>
 
-<file path=ppt/slides/slide6.xml><?xml version="1.0" encoding="utf-8"?>
+<file path=ppt/slides/slide7.xml><?xml version="1.0" encoding="utf-8"?>
 <p:sld xmlns:a="http://schemas.openxmlformats.org/drawingml/2006/main" xmlns:r="http://schemas.openxmlformats.org/officeDocument/2006/relationships" xmlns:p="http://schemas.openxmlformats.org/presentationml/2006/main">
   <p:cSld>
     <p:spTree>
@@ -35824,15 +37157,15 @@
           <a:lstStyle/>
           <a:p>
             <a:r>
-              <a:rPr lang="en-US" sz="2800" dirty="0"/>
+              <a:rPr lang="en-US" sz="2800"/>
               <a:t>Using </a:t>
             </a:r>
             <a:r>
-              <a:rPr lang="en-US" sz="2800" dirty="0" err="1"/>
+              <a:rPr lang="en-US" sz="2800" err="1"/>
               <a:t>LightGBM</a:t>
             </a:r>
             <a:r>
-              <a:rPr lang="en-US" sz="2800" dirty="0"/>
+              <a:rPr lang="en-US" sz="2800"/>
               <a:t>, our model took &lt;3 seconds and returned an RMSE of 3.39</a:t>
             </a:r>
           </a:p>
@@ -35862,7 +37195,7 @@
             <a:fld id="{C8C09DA5-8C43-4702-8900-F4900F7A89AE}" type="slidenum">
               <a:rPr lang="en-US" smtClean="0"/>
               <a:pPr/>
-              <a:t>6</a:t>
+              <a:t>7</a:t>
             </a:fld>
             <a:endParaRPr lang="en-US"/>
           </a:p>
@@ -35895,14 +37228,14 @@
               <a:buNone/>
             </a:pPr>
             <a:r>
-              <a:rPr lang="en-US" sz="2400" b="1" dirty="0"/>
+              <a:rPr lang="en-US" sz="2400" b="1"/>
               <a:t>Primary model: </a:t>
             </a:r>
             <a:r>
-              <a:rPr lang="en-US" sz="2400" b="1" dirty="0" err="1"/>
+              <a:rPr lang="en-US" sz="2400" b="1" err="1"/>
               <a:t>LightGBM</a:t>
             </a:r>
-            <a:endParaRPr lang="en-US" sz="2400" b="1" dirty="0"/>
+            <a:endParaRPr lang="en-US" sz="2400" b="1"/>
           </a:p>
           <a:p>
             <a:pPr marL="254000" lvl="1" indent="-254000">
@@ -35914,15 +37247,15 @@
               <a:buChar char="§"/>
             </a:pPr>
             <a:r>
-              <a:rPr lang="en-US" sz="2000" dirty="0"/>
+              <a:rPr lang="en-US" sz="2000"/>
               <a:t>Description: </a:t>
             </a:r>
             <a:r>
-              <a:rPr lang="en-US" sz="2000" b="1" dirty="0" err="1"/>
+              <a:rPr lang="en-US" sz="2000" b="1" err="1"/>
               <a:t>LightGBM</a:t>
             </a:r>
             <a:r>
-              <a:rPr lang="en-US" sz="2000" b="1" dirty="0"/>
+              <a:rPr lang="en-US" sz="2000" b="1"/>
               <a:t> modelling with lag-based features</a:t>
             </a:r>
           </a:p>
@@ -35936,7 +37269,7 @@
               <a:buChar char="§"/>
             </a:pPr>
             <a:r>
-              <a:rPr lang="en-US" sz="2000" dirty="0"/>
+              <a:rPr lang="en-US" sz="2000"/>
               <a:t>Runtime to predict on the validation dataset: 3 seconds</a:t>
             </a:r>
           </a:p>
@@ -35950,10 +37283,10 @@
               <a:buChar char="§"/>
             </a:pPr>
             <a:r>
-              <a:rPr lang="en-US" sz="2000" dirty="0"/>
+              <a:rPr lang="en-US" sz="2000"/>
               <a:t>RMSE value on the validation dataset: 3.39</a:t>
             </a:r>
-            <a:endParaRPr lang="en-US" sz="2000" dirty="0">
+            <a:endParaRPr lang="en-US" sz="2000">
               <a:highlight>
                 <a:srgbClr val="FFFF00"/>
               </a:highlight>
@@ -35964,7 +37297,7 @@
               <a:buNone/>
             </a:pPr>
             <a:r>
-              <a:rPr lang="en-US" sz="2400" b="1" dirty="0"/>
+              <a:rPr lang="en-US" sz="2400" b="1"/>
               <a:t>Secondary model: Time Series</a:t>
             </a:r>
           </a:p>
@@ -35978,15 +37311,15 @@
               <a:buChar char="§"/>
             </a:pPr>
             <a:r>
-              <a:rPr lang="en-US" sz="2000" dirty="0"/>
+              <a:rPr lang="en-US" sz="2000"/>
               <a:t>Description: </a:t>
             </a:r>
             <a:r>
-              <a:rPr lang="en-US" sz="2000" b="1" dirty="0"/>
+              <a:rPr lang="en-US" sz="2000" b="1"/>
               <a:t>Time series modelling </a:t>
             </a:r>
             <a:r>
-              <a:rPr lang="en-US" sz="2000" dirty="0"/>
+              <a:rPr lang="en-US" sz="2000"/>
               <a:t>(Croston’s method)</a:t>
             </a:r>
           </a:p>
@@ -36000,7 +37333,7 @@
               <a:buChar char="§"/>
             </a:pPr>
             <a:r>
-              <a:rPr lang="en-US" sz="2000" dirty="0"/>
+              <a:rPr lang="en-US" sz="2000"/>
               <a:t>Runtime to predict on the validation dataset: 40 seconds</a:t>
             </a:r>
           </a:p>
@@ -36014,7 +37347,7 @@
               <a:buChar char="§"/>
             </a:pPr>
             <a:r>
-              <a:rPr lang="en-US" sz="2000" dirty="0"/>
+              <a:rPr lang="en-US" sz="2000"/>
               <a:t>RMSE value on the validation dataset: 5.92</a:t>
             </a:r>
           </a:p>
@@ -36198,7 +37531,7 @@
 </p:sld>
 </file>
 
-<file path=ppt/slides/slide7.xml><?xml version="1.0" encoding="utf-8"?>
+<file path=ppt/slides/slide8.xml><?xml version="1.0" encoding="utf-8"?>
 <p:sld xmlns:a="http://schemas.openxmlformats.org/drawingml/2006/main" xmlns:r="http://schemas.openxmlformats.org/officeDocument/2006/relationships" xmlns:p="http://schemas.openxmlformats.org/presentationml/2006/main">
   <p:cSld>
     <p:spTree>
@@ -36339,7 +37672,7 @@
             <a:fld id="{C8C09DA5-8C43-4702-8900-F4900F7A89AE}" type="slidenum">
               <a:rPr lang="en-US" smtClean="0"/>
               <a:pPr/>
-              <a:t>7</a:t>
+              <a:t>8</a:t>
             </a:fld>
             <a:endParaRPr lang="en-US"/>
           </a:p>
@@ -36743,7 +38076,7 @@
                 </a:solidFill>
                 <a:cs typeface="Arial" panose="020B0604020202020204" pitchFamily="34" charset="0"/>
               </a:rPr>
-              <a:t>, such as Category or ML name instead of an overall model</a:t>
+              <a:t>, such as Category name instead of an overall model</a:t>
             </a:r>
           </a:p>
         </p:txBody>
@@ -38826,7 +40159,7 @@
 </p:sld>
 </file>
 
-<file path=ppt/slides/slide8.xml><?xml version="1.0" encoding="utf-8"?>
+<file path=ppt/slides/slide9.xml><?xml version="1.0" encoding="utf-8"?>
 <p:sld xmlns:a="http://schemas.openxmlformats.org/drawingml/2006/main" xmlns:r="http://schemas.openxmlformats.org/officeDocument/2006/relationships" xmlns:p="http://schemas.openxmlformats.org/presentationml/2006/main">
   <p:cSld>
     <p:spTree>
@@ -38967,7 +40300,7 @@
             <a:fld id="{C8C09DA5-8C43-4702-8900-F4900F7A89AE}" type="slidenum">
               <a:rPr lang="en-US" smtClean="0"/>
               <a:pPr/>
-              <a:t>8</a:t>
+              <a:t>9</a:t>
             </a:fld>
             <a:endParaRPr lang="en-US"/>
           </a:p>
@@ -39434,7 +40767,7 @@
             <a:fld id="{C8C09DA5-8C43-4702-8900-F4900F7A89AE}" type="slidenum">
               <a:rPr lang="en-US" smtClean="0"/>
               <a:pPr/>
-              <a:t>8</a:t>
+              <a:t>9</a:t>
             </a:fld>
             <a:endParaRPr lang="en-US"/>
           </a:p>
@@ -39888,258 +41221,27 @@
 </p:sld>
 </file>
 
-<file path=ppt/slides/slide9.xml><?xml version="1.0" encoding="utf-8"?>
-<p:sld xmlns:a="http://schemas.openxmlformats.org/drawingml/2006/main" xmlns:r="http://schemas.openxmlformats.org/officeDocument/2006/relationships" xmlns:p="http://schemas.openxmlformats.org/presentationml/2006/main">
-  <p:cSld>
-    <p:spTree>
-      <p:nvGrpSpPr>
-        <p:cNvPr id="1" name=""/>
-        <p:cNvGrpSpPr/>
-        <p:nvPr/>
-      </p:nvGrpSpPr>
-      <p:grpSpPr>
-        <a:xfrm>
-          <a:off x="0" y="0"/>
-          <a:ext cx="0" cy="0"/>
-          <a:chOff x="0" y="0"/>
-          <a:chExt cx="0" cy="0"/>
-        </a:xfrm>
-      </p:grpSpPr>
-      <p:graphicFrame>
-        <p:nvGraphicFramePr>
-          <p:cNvPr id="7" name="Object 6" hidden="1">
-            <a:extLst>
-              <a:ext uri="{FF2B5EF4-FFF2-40B4-BE49-F238E27FC236}">
-                <a16:creationId xmlns:a16="http://schemas.microsoft.com/office/drawing/2014/main" id="{B9218636-E0B4-C126-1D16-5DA04A87A64E}"/>
-              </a:ext>
-            </a:extLst>
-          </p:cNvPr>
-          <p:cNvGraphicFramePr>
-            <a:graphicFrameLocks noChangeAspect="1"/>
-          </p:cNvGraphicFramePr>
-          <p:nvPr>
-            <p:custDataLst>
-              <p:tags r:id="rId1"/>
-            </p:custDataLst>
-            <p:extLst>
-              <p:ext uri="{D42A27DB-BD31-4B8C-83A1-F6EECF244321}">
-                <p14:modId xmlns:p14="http://schemas.microsoft.com/office/powerpoint/2010/main" val="216301519"/>
-              </p:ext>
-            </p:extLst>
-          </p:nvPr>
-        </p:nvGraphicFramePr>
-        <p:xfrm>
-          <a:off x="1588" y="1588"/>
-          <a:ext cx="1227" cy="1588"/>
-        </p:xfrm>
-        <a:graphic>
-          <a:graphicData uri="http://schemas.openxmlformats.org/presentationml/2006/ole">
-            <mc:AlternateContent xmlns:mc="http://schemas.openxmlformats.org/markup-compatibility/2006">
-              <mc:Choice xmlns:v="urn:schemas-microsoft-com:vml" Requires="v">
-                <p:oleObj name="think-cell Slide" r:id="rId3" imgW="7772400" imgH="10058400" progId="TCLayout.ActiveDocument.1">
-                  <p:embed/>
-                </p:oleObj>
-              </mc:Choice>
-              <mc:Fallback>
-                <p:oleObj name="think-cell Slide" r:id="rId3" imgW="7772400" imgH="10058400" progId="TCLayout.ActiveDocument.1">
-                  <p:embed/>
-                  <p:pic>
-                    <p:nvPicPr>
-                      <p:cNvPr id="7" name="Object 6" hidden="1">
-                        <a:extLst>
-                          <a:ext uri="{FF2B5EF4-FFF2-40B4-BE49-F238E27FC236}">
-                            <a16:creationId xmlns:a16="http://schemas.microsoft.com/office/drawing/2014/main" id="{B9218636-E0B4-C126-1D16-5DA04A87A64E}"/>
-                          </a:ext>
-                        </a:extLst>
-                      </p:cNvPr>
-                      <p:cNvPicPr/>
-                      <p:nvPr/>
-                    </p:nvPicPr>
-                    <p:blipFill>
-                      <a:blip r:embed="rId4"/>
-                      <a:stretch>
-                        <a:fillRect/>
-                      </a:stretch>
-                    </p:blipFill>
-                    <p:spPr>
-                      <a:xfrm>
-                        <a:off x="1588" y="1588"/>
-                        <a:ext cx="1227" cy="1588"/>
-                      </a:xfrm>
-                      <a:prstGeom prst="rect">
-                        <a:avLst/>
-                      </a:prstGeom>
-                    </p:spPr>
-                  </p:pic>
-                </p:oleObj>
-              </mc:Fallback>
-            </mc:AlternateContent>
-          </a:graphicData>
-        </a:graphic>
-      </p:graphicFrame>
-      <p:sp>
-        <p:nvSpPr>
-          <p:cNvPr id="2" name="Title 1">
-            <a:extLst>
-              <a:ext uri="{FF2B5EF4-FFF2-40B4-BE49-F238E27FC236}">
-                <a16:creationId xmlns:a16="http://schemas.microsoft.com/office/drawing/2014/main" id="{65BF5C4E-476A-C35C-298D-0EFE28A796FC}"/>
-              </a:ext>
-            </a:extLst>
-          </p:cNvPr>
-          <p:cNvSpPr>
-            <a:spLocks noGrp="1"/>
-          </p:cNvSpPr>
-          <p:nvPr>
-            <p:ph type="title"/>
-          </p:nvPr>
-        </p:nvSpPr>
-        <p:spPr/>
-        <p:txBody>
-          <a:bodyPr vert="horz"/>
-          <a:lstStyle/>
-          <a:p>
-            <a:r>
-              <a:rPr lang="en-US"/>
-              <a:t>SHAP &amp; feature importance plot</a:t>
-            </a:r>
-          </a:p>
-        </p:txBody>
-      </p:sp>
-      <p:sp>
-        <p:nvSpPr>
-          <p:cNvPr id="3" name="Slide Number Placeholder 2">
-            <a:extLst>
-              <a:ext uri="{FF2B5EF4-FFF2-40B4-BE49-F238E27FC236}">
-                <a16:creationId xmlns:a16="http://schemas.microsoft.com/office/drawing/2014/main" id="{127CC900-7BE8-61A0-D640-E38C9E517FF1}"/>
-              </a:ext>
-            </a:extLst>
-          </p:cNvPr>
-          <p:cNvSpPr>
-            <a:spLocks noGrp="1"/>
-          </p:cNvSpPr>
-          <p:nvPr>
-            <p:ph type="sldNum" sz="quarter" idx="10"/>
-          </p:nvPr>
-        </p:nvSpPr>
-        <p:spPr/>
-        <p:txBody>
-          <a:bodyPr/>
-          <a:lstStyle/>
-          <a:p>
-            <a:fld id="{C8C09DA5-8C43-4702-8900-F4900F7A89AE}" type="slidenum">
-              <a:rPr lang="en-US" smtClean="0"/>
-              <a:pPr/>
-              <a:t>9</a:t>
-            </a:fld>
-            <a:endParaRPr lang="en-US"/>
-          </a:p>
-        </p:txBody>
-      </p:sp>
-      <p:pic>
-        <p:nvPicPr>
-          <p:cNvPr id="5" name="Picture 4">
-            <a:extLst>
-              <a:ext uri="{FF2B5EF4-FFF2-40B4-BE49-F238E27FC236}">
-                <a16:creationId xmlns:a16="http://schemas.microsoft.com/office/drawing/2014/main" id="{D3931858-F968-2EC8-7C19-C5769C1DD847}"/>
-              </a:ext>
-            </a:extLst>
-          </p:cNvPr>
-          <p:cNvPicPr>
-            <a:picLocks noChangeAspect="1"/>
-          </p:cNvPicPr>
-          <p:nvPr/>
-        </p:nvPicPr>
-        <p:blipFill>
-          <a:blip r:embed="rId5"/>
-          <a:stretch>
-            <a:fillRect/>
-          </a:stretch>
-        </p:blipFill>
-        <p:spPr>
-          <a:xfrm>
-            <a:off x="5168303" y="2144410"/>
-            <a:ext cx="6248288" cy="3210765"/>
-          </a:xfrm>
-          <a:prstGeom prst="rect">
-            <a:avLst/>
-          </a:prstGeom>
-        </p:spPr>
-      </p:pic>
-      <p:pic>
-        <p:nvPicPr>
-          <p:cNvPr id="6" name="Picture 5">
-            <a:extLst>
-              <a:ext uri="{FF2B5EF4-FFF2-40B4-BE49-F238E27FC236}">
-                <a16:creationId xmlns:a16="http://schemas.microsoft.com/office/drawing/2014/main" id="{272BA402-706B-0CD3-F27D-F58FF0EAF7E1}"/>
-              </a:ext>
-            </a:extLst>
-          </p:cNvPr>
-          <p:cNvPicPr>
-            <a:picLocks noChangeAspect="1"/>
-          </p:cNvPicPr>
-          <p:nvPr/>
-        </p:nvPicPr>
-        <p:blipFill>
-          <a:blip r:embed="rId6"/>
-          <a:stretch>
-            <a:fillRect/>
-          </a:stretch>
-        </p:blipFill>
-        <p:spPr>
-          <a:xfrm>
-            <a:off x="1156409" y="1643532"/>
-            <a:ext cx="3564440" cy="4212521"/>
-          </a:xfrm>
-          <a:prstGeom prst="rect">
-            <a:avLst/>
-          </a:prstGeom>
-        </p:spPr>
-      </p:pic>
-    </p:spTree>
-    <p:extLst>
-      <p:ext uri="{BB962C8B-B14F-4D97-AF65-F5344CB8AC3E}">
-        <p14:creationId xmlns:p14="http://schemas.microsoft.com/office/powerpoint/2010/main" val="1945028301"/>
-      </p:ext>
-    </p:extLst>
-  </p:cSld>
-  <p:clrMapOvr>
-    <a:masterClrMapping/>
-  </p:clrMapOvr>
-  <mc:AlternateContent xmlns:mc="http://schemas.openxmlformats.org/markup-compatibility/2006">
-    <mc:Choice xmlns:p14="http://schemas.microsoft.com/office/powerpoint/2010/main" Requires="p14">
-      <p:transition spd="med" p14:dur="700">
-        <p:fade/>
-      </p:transition>
-    </mc:Choice>
-    <mc:Fallback>
-      <p:transition spd="med">
-        <p:fade/>
-      </p:transition>
-    </mc:Fallback>
-  </mc:AlternateContent>
-</p:sld>
-</file>
-
 <file path=ppt/tags/tag1.xml><?xml version="1.0" encoding="utf-8"?>
 <p:tagLst xmlns:a="http://schemas.openxmlformats.org/drawingml/2006/main" xmlns:r="http://schemas.openxmlformats.org/officeDocument/2006/relationships" xmlns:p="http://schemas.openxmlformats.org/presentationml/2006/main">
   <p:tag name="EE4P_STYLE_ID" val="6cd991bf-f022-4378-96e7-2c338aeb3f5a"/>
+  <p:tag name="THINKCELLPRESENTATIONDONOTDELETE" val="&lt;?xml version=&quot;1.0&quot; encoding=&quot;UTF-16&quot; standalone=&quot;yes&quot;?&gt;&lt;root reqver=&quot;27037&quot;&gt;&lt;version val=&quot;33011&quot;/&gt;&lt;CPresentation id=&quot;1&quot;&gt;&lt;m_precDefaultNumber&gt;&lt;m_bNumberIsYear val=&quot;1&quot;/&gt;&lt;m_chMinusSymbol&gt;-&lt;/m_chMinusSymbol&gt;&lt;m_chDecimalSymbol17909&gt;,&lt;/m_chDecimalSymbol17909&gt;&lt;m_nGroupingDigits17909 val=&quot;3&quot;/&gt;&lt;m_chGroupingSymbol17909&gt;.&lt;/m_chGroupingSymbol17909&gt;&lt;m_yearfmt&gt;&lt;begin val=&quot;0&quot;/&gt;&lt;end val=&quot;4&quot;/&gt;&lt;/m_yearfmt&gt;&lt;/m_precDefaultNumber&gt;&lt;m_precDefaultPercent&gt;&lt;m_bNumberIsYear val=&quot;1&quot;/&gt;&lt;m_chMinusSymbol&gt;-&lt;/m_chMinusSymbol&gt;&lt;m_nDecimalDigits17909 val=&quot;0&quot;/&gt;&lt;m_chDecimalSymbol17909&gt;,&lt;/m_chDecimalSymbol17909&gt;&lt;m_nGroupingDigits17909 val=&quot;3&quot;/&gt;&lt;m_chGroupingSymbol17909&gt;.&lt;/m_chGroupingSymbol17909&gt;&lt;m_strSuffix17909&gt;%&lt;/m_strSuffix17909&gt;&lt;m_yearfmt&gt;&lt;begin val=&quot;0&quot;/&gt;&lt;end val=&quot;4&quot;/&gt;&lt;/m_yearfmt&gt;&lt;/m_precDefaultPercent&gt;&lt;m_precDefaultDate&gt;&lt;m_yearfmt&gt;&lt;begin val=&quot;0&quot;/&gt;&lt;end val=&quot;4&quot;/&gt;&lt;/m_yearfmt&gt;&lt;/m_precDefaultDate&gt;&lt;m_precDefaultDay&gt;&lt;m_yearfmt&gt;&lt;begin val=&quot;0&quot;/&gt;&lt;end val=&quot;4&quot;/&gt;&lt;/m_yearfmt&gt;&lt;/m_precDefaultDay&gt;&lt;m_precDefaultWeek&gt;&lt;m_yearfmt&gt;&lt;begin val=&quot;0&quot;/&gt;&lt;end val=&quot;4&quot;/&gt;&lt;/m_yearfmt&gt;&lt;/m_precDefaultWeek&gt;&lt;m_precDefaultMonth&gt;&lt;m_yearfmt&gt;&lt;begin val=&quot;0&quot;/&gt;&lt;end val=&quot;4&quot;/&gt;&lt;/m_yearfmt&gt;&lt;/m_precDefaultMonth&gt;&lt;m_precDefaultQuarter&gt;&lt;m_yearfmt&gt;&lt;begin val=&quot;0&quot;/&gt;&lt;end val=&quot;4&quot;/&gt;&lt;/m_yearfmt&gt;&lt;/m_precDefaultQuarter&gt;&lt;m_precDefaultYear&gt;&lt;m_yearfmt&gt;&lt;begin val=&quot;0&quot;/&gt;&lt;end val=&quot;4&quot;/&gt;&lt;/m_yearfmt&gt;&lt;/m_precDefaultYear&gt;&lt;m_precDefaultFYDay&gt;&lt;m_yearfmt&gt;&lt;begin val=&quot;0&quot;/&gt;&lt;end val=&quot;4&quot;/&gt;&lt;/m_yearfmt&gt;&lt;/m_precDefaultFYDay&gt;&lt;m_precDefaultFYWeek&gt;&lt;m_yearfmt&gt;&lt;begin val=&quot;0&quot;/&gt;&lt;end val=&quot;4&quot;/&gt;&lt;/m_yearfmt&gt;&lt;/m_precDefaultFYWeek&gt;&lt;m_precDefaultFYMonth&gt;&lt;m_yearfmt&gt;&lt;begin val=&quot;0&quot;/&gt;&lt;end val=&quot;4&quot;/&gt;&lt;/m_yearfmt&gt;&lt;/m_precDefaultFYMonth&gt;&lt;m_precDefaultFYQuarter&gt;&lt;m_yearfmt&gt;&lt;begin val=&quot;0&quot;/&gt;&lt;end val=&quot;4&quot;/&gt;&lt;/m_yearfmt&gt;&lt;/m_precDefaultFYQuarter&gt;&lt;m_precDefaultFYYear&gt;&lt;m_yearfmt&gt;&lt;begin val=&quot;0&quot;/&gt;&lt;end val=&quot;4&quot;/&gt;&lt;/m_yearfmt&gt;&lt;/m_precDefaultFYYear&gt;&lt;m_mruColor&gt;&lt;m_vecMRU length=&quot;0&quot;/&gt;&lt;/m_mruColor&gt;&lt;m_eweekdayFirstOfWeek val=&quot;2&quot;/&gt;&lt;m_eweekdayFirstOfWorkweek val=&quot;2&quot;/&gt;&lt;m_eweekdayFirstOfWeekend val=&quot;7&quot;/&gt;&lt;/CPresentation&gt;&lt;/root&gt;"/>
   <p:tag name="THINKCELLUNDODONOTDELETE" val="0"/>
 </p:tagLst>
 </file>
 
 <file path=ppt/tags/tag10.xml><?xml version="1.0" encoding="utf-8"?>
 <p:tagLst xmlns:a="http://schemas.openxmlformats.org/drawingml/2006/main" xmlns:r="http://schemas.openxmlformats.org/officeDocument/2006/relationships" xmlns:p="http://schemas.openxmlformats.org/presentationml/2006/main">
+  <p:tag name="NAME" val="Group 5"/>
+</p:tagLst>
+</file>
+
+<file path=ppt/tags/tag11.xml><?xml version="1.0" encoding="utf-8"?>
+<p:tagLst xmlns:a="http://schemas.openxmlformats.org/drawingml/2006/main" xmlns:r="http://schemas.openxmlformats.org/officeDocument/2006/relationships" xmlns:p="http://schemas.openxmlformats.org/presentationml/2006/main">
   <p:tag name="ORIGLEFT" val="322,5"/>
   <p:tag name="ORIGTOP" val="342,625"/>
   <p:tag name="ORIGHEIGHT" val="67"/>
   <p:tag name="ORIGWIDTH" val="71"/>
   <p:tag name="NAME" val="Freeform 12"/>
-</p:tagLst>
-</file>
-
-<file path=ppt/tags/tag11.xml><?xml version="1.0" encoding="utf-8"?>
-<p:tagLst xmlns:a="http://schemas.openxmlformats.org/drawingml/2006/main" xmlns:r="http://schemas.openxmlformats.org/officeDocument/2006/relationships" xmlns:p="http://schemas.openxmlformats.org/presentationml/2006/main">
-  <p:tag name="NAME" val="Group 5"/>
 </p:tagLst>
 </file>
 
@@ -40157,11 +41259,7 @@
 
 <file path=ppt/tags/tag14.xml><?xml version="1.0" encoding="utf-8"?>
 <p:tagLst xmlns:a="http://schemas.openxmlformats.org/drawingml/2006/main" xmlns:r="http://schemas.openxmlformats.org/officeDocument/2006/relationships" xmlns:p="http://schemas.openxmlformats.org/presentationml/2006/main">
-  <p:tag name="ORIGLEFT" val="322,5"/>
-  <p:tag name="ORIGTOP" val="342,625"/>
-  <p:tag name="ORIGHEIGHT" val="67"/>
-  <p:tag name="ORIGWIDTH" val="71"/>
-  <p:tag name="NAME" val="Freeform 12"/>
+  <p:tag name="NAME" val="Group 5"/>
 </p:tagLst>
 </file>
 
@@ -40293,7 +41391,11 @@
 
 <file path=ppt/tags/tag27.xml><?xml version="1.0" encoding="utf-8"?>
 <p:tagLst xmlns:a="http://schemas.openxmlformats.org/drawingml/2006/main" xmlns:r="http://schemas.openxmlformats.org/officeDocument/2006/relationships" xmlns:p="http://schemas.openxmlformats.org/presentationml/2006/main">
-  <p:tag name="NAME" val="Group 5"/>
+  <p:tag name="ORIGLEFT" val="322,5"/>
+  <p:tag name="ORIGTOP" val="342,625"/>
+  <p:tag name="ORIGHEIGHT" val="67"/>
+  <p:tag name="ORIGWIDTH" val="71"/>
+  <p:tag name="NAME" val="Freeform 12"/>
 </p:tagLst>
 </file>
 
@@ -40305,11 +41407,7 @@
 
 <file path=ppt/tags/tag29.xml><?xml version="1.0" encoding="utf-8"?>
 <p:tagLst xmlns:a="http://schemas.openxmlformats.org/drawingml/2006/main" xmlns:r="http://schemas.openxmlformats.org/officeDocument/2006/relationships" xmlns:p="http://schemas.openxmlformats.org/presentationml/2006/main">
-  <p:tag name="ORIGLEFT" val="322,5"/>
-  <p:tag name="ORIGTOP" val="342,625"/>
-  <p:tag name="ORIGHEIGHT" val="67"/>
-  <p:tag name="ORIGWIDTH" val="71"/>
-  <p:tag name="NAME" val="Freeform 12"/>
+  <p:tag name="NAME" val="Group 5"/>
 </p:tagLst>
 </file>
 
@@ -40331,7 +41429,11 @@
 
 <file path=ppt/tags/tag31.xml><?xml version="1.0" encoding="utf-8"?>
 <p:tagLst xmlns:a="http://schemas.openxmlformats.org/drawingml/2006/main" xmlns:r="http://schemas.openxmlformats.org/officeDocument/2006/relationships" xmlns:p="http://schemas.openxmlformats.org/presentationml/2006/main">
-  <p:tag name="NAME" val="Group 5"/>
+  <p:tag name="ORIGLEFT" val="322,5"/>
+  <p:tag name="ORIGTOP" val="342,625"/>
+  <p:tag name="ORIGHEIGHT" val="67"/>
+  <p:tag name="ORIGWIDTH" val="71"/>
+  <p:tag name="NAME" val="Freeform 12"/>
 </p:tagLst>
 </file>
 
@@ -40409,17 +41511,17 @@
 
 <file path=ppt/tags/tag43.xml><?xml version="1.0" encoding="utf-8"?>
 <p:tagLst xmlns:a="http://schemas.openxmlformats.org/drawingml/2006/main" xmlns:r="http://schemas.openxmlformats.org/officeDocument/2006/relationships" xmlns:p="http://schemas.openxmlformats.org/presentationml/2006/main">
+  <p:tag name="NAME" val="Group 5"/>
+</p:tagLst>
+</file>
+
+<file path=ppt/tags/tag44.xml><?xml version="1.0" encoding="utf-8"?>
+<p:tagLst xmlns:a="http://schemas.openxmlformats.org/drawingml/2006/main" xmlns:r="http://schemas.openxmlformats.org/officeDocument/2006/relationships" xmlns:p="http://schemas.openxmlformats.org/presentationml/2006/main">
   <p:tag name="ORIGLEFT" val="322,5"/>
   <p:tag name="ORIGTOP" val="342,625"/>
   <p:tag name="ORIGHEIGHT" val="67"/>
   <p:tag name="ORIGWIDTH" val="71"/>
   <p:tag name="NAME" val="Freeform 12"/>
-</p:tagLst>
-</file>
-
-<file path=ppt/tags/tag44.xml><?xml version="1.0" encoding="utf-8"?>
-<p:tagLst xmlns:a="http://schemas.openxmlformats.org/drawingml/2006/main" xmlns:r="http://schemas.openxmlformats.org/officeDocument/2006/relationships" xmlns:p="http://schemas.openxmlformats.org/presentationml/2006/main">
-  <p:tag name="THINKCELLSHAPEDONOTDELETE" val="thinkcellActiveDocDoNotDelete"/>
 </p:tagLst>
 </file>
 
@@ -40447,6 +41549,12 @@
 </p:tagLst>
 </file>
 
+<file path=ppt/tags/tag49.xml><?xml version="1.0" encoding="utf-8"?>
+<p:tagLst xmlns:a="http://schemas.openxmlformats.org/drawingml/2006/main" xmlns:r="http://schemas.openxmlformats.org/officeDocument/2006/relationships" xmlns:p="http://schemas.openxmlformats.org/presentationml/2006/main">
+  <p:tag name="THINKCELLSHAPEDONOTDELETE" val="thinkcellActiveDocDoNotDelete"/>
+</p:tagLst>
+</file>
+
 <file path=ppt/tags/tag5.xml><?xml version="1.0" encoding="utf-8"?>
 <p:tagLst xmlns:a="http://schemas.openxmlformats.org/drawingml/2006/main" xmlns:r="http://schemas.openxmlformats.org/officeDocument/2006/relationships" xmlns:p="http://schemas.openxmlformats.org/presentationml/2006/main">
   <p:tag name="THINKCELLSHAPEDONOTDELETE" val="thinkcellActiveDocDoNotDelete"/>
@@ -40467,17 +41575,17 @@
 
 <file path=ppt/tags/tag8.xml><?xml version="1.0" encoding="utf-8"?>
 <p:tagLst xmlns:a="http://schemas.openxmlformats.org/drawingml/2006/main" xmlns:r="http://schemas.openxmlformats.org/officeDocument/2006/relationships" xmlns:p="http://schemas.openxmlformats.org/presentationml/2006/main">
+  <p:tag name="THINKCELLSHAPEDONOTDELETE" val="thinkcellActiveDocDoNotDelete"/>
+</p:tagLst>
+</file>
+
+<file path=ppt/tags/tag9.xml><?xml version="1.0" encoding="utf-8"?>
+<p:tagLst xmlns:a="http://schemas.openxmlformats.org/drawingml/2006/main" xmlns:r="http://schemas.openxmlformats.org/officeDocument/2006/relationships" xmlns:p="http://schemas.openxmlformats.org/presentationml/2006/main">
   <p:tag name="ORIGLEFT" val="322,5"/>
   <p:tag name="ORIGTOP" val="342,625"/>
   <p:tag name="ORIGHEIGHT" val="67"/>
   <p:tag name="ORIGWIDTH" val="71"/>
   <p:tag name="NAME" val="Freeform 12"/>
-</p:tagLst>
-</file>
-
-<file path=ppt/tags/tag9.xml><?xml version="1.0" encoding="utf-8"?>
-<p:tagLst xmlns:a="http://schemas.openxmlformats.org/drawingml/2006/main" xmlns:r="http://schemas.openxmlformats.org/officeDocument/2006/relationships" xmlns:p="http://schemas.openxmlformats.org/presentationml/2006/main">
-  <p:tag name="NAME" val="Group 5"/>
 </p:tagLst>
 </file>
 
@@ -41250,15 +42358,15 @@
 <file path=customXml/itemProps2.xml><?xml version="1.0" encoding="utf-8"?>
 <ds:datastoreItem xmlns:ds="http://schemas.openxmlformats.org/officeDocument/2006/customXml" ds:itemID="{83388A79-4A91-4BB0-B210-99104F2DC403}">
   <ds:schemaRefs>
+    <ds:schemaRef ds:uri="http://schemas.microsoft.com/office/2006/metadata/properties"/>
+    <ds:schemaRef ds:uri="3843dc87-6e8d-433b-8318-2e78ea0b348d"/>
+    <ds:schemaRef ds:uri="http://schemas.microsoft.com/office/2006/documentManagement/types"/>
+    <ds:schemaRef ds:uri="http://schemas.microsoft.com/office/infopath/2007/PartnerControls"/>
+    <ds:schemaRef ds:uri="http://purl.org/dc/elements/1.1/"/>
+    <ds:schemaRef ds:uri="http://purl.org/dc/dcmitype/"/>
     <ds:schemaRef ds:uri="http://purl.org/dc/terms/"/>
-    <ds:schemaRef ds:uri="http://schemas.microsoft.com/office/2006/documentManagement/types"/>
-    <ds:schemaRef ds:uri="3843dc87-6e8d-433b-8318-2e78ea0b348d"/>
-    <ds:schemaRef ds:uri="http://purl.org/dc/elements/1.1/"/>
+    <ds:schemaRef ds:uri="http://schemas.openxmlformats.org/package/2006/metadata/core-properties"/>
     <ds:schemaRef ds:uri="0d4e0842-4262-4d93-9217-e6082ad598f2"/>
-    <ds:schemaRef ds:uri="http://schemas.microsoft.com/office/2006/metadata/properties"/>
-    <ds:schemaRef ds:uri="http://purl.org/dc/dcmitype/"/>
-    <ds:schemaRef ds:uri="http://schemas.microsoft.com/office/infopath/2007/PartnerControls"/>
-    <ds:schemaRef ds:uri="http://schemas.openxmlformats.org/package/2006/metadata/core-properties"/>
     <ds:schemaRef ds:uri="http://www.w3.org/XML/1998/namespace"/>
   </ds:schemaRefs>
 </ds:datastoreItem>
